--- a/lib/Welcome to Jukebox.pptx
+++ b/lib/Welcome to Jukebox.pptx
@@ -5,7 +5,7 @@
     <p:sldMasterId id="2147483702" r:id="rId1"/>
   </p:sldMasterIdLst>
   <p:notesMasterIdLst>
-    <p:notesMasterId r:id="rId10"/>
+    <p:notesMasterId r:id="rId11"/>
   </p:notesMasterIdLst>
   <p:sldIdLst>
     <p:sldId id="257" r:id="rId2"/>
@@ -16,6 +16,7 @@
     <p:sldId id="261" r:id="rId7"/>
     <p:sldId id="262" r:id="rId8"/>
     <p:sldId id="263" r:id="rId9"/>
+    <p:sldId id="264" r:id="rId10"/>
   </p:sldIdLst>
   <p:sldSz cx="12192000" cy="6858000"/>
   <p:notesSz cx="6858000" cy="9144000"/>
@@ -114,6 +115,11 @@
       </a:defRPr>
     </a:lvl9pPr>
   </p:defaultTextStyle>
+  <p:extLst>
+    <p:ext uri="{EFAFB233-063F-42B5-8137-9DF3F51BA10A}">
+      <p15:sldGuideLst xmlns:p15="http://schemas.microsoft.com/office/powerpoint/2012/main"/>
+    </p:ext>
+  </p:extLst>
 </p:presentation>
 </file>
 
@@ -690,7 +696,7 @@
           <a:p>
             <a:fld id="{6A861F7F-8477-407D-AFF9-DBEBB6A1FAB2}" type="datetimeFigureOut">
               <a:rPr lang="en-US" smtClean="0"/>
-              <a:t>28/11/2022</a:t>
+              <a:t>29/11/2022</a:t>
             </a:fld>
             <a:endParaRPr lang="en-US"/>
           </a:p>
@@ -1024,7 +1030,7 @@
           <a:p>
             <a:fld id="{6A861F7F-8477-407D-AFF9-DBEBB6A1FAB2}" type="datetimeFigureOut">
               <a:rPr lang="en-US" smtClean="0"/>
-              <a:t>28/11/2022</a:t>
+              <a:t>29/11/2022</a:t>
             </a:fld>
             <a:endParaRPr lang="en-US"/>
           </a:p>
@@ -1302,7 +1308,7 @@
           <a:p>
             <a:fld id="{6A861F7F-8477-407D-AFF9-DBEBB6A1FAB2}" type="datetimeFigureOut">
               <a:rPr lang="en-US" smtClean="0"/>
-              <a:t>28/11/2022</a:t>
+              <a:t>29/11/2022</a:t>
             </a:fld>
             <a:endParaRPr lang="en-US"/>
           </a:p>
@@ -1870,7 +1876,7 @@
           <a:p>
             <a:fld id="{6A861F7F-8477-407D-AFF9-DBEBB6A1FAB2}" type="datetimeFigureOut">
               <a:rPr lang="en-US" smtClean="0"/>
-              <a:t>28/11/2022</a:t>
+              <a:t>29/11/2022</a:t>
             </a:fld>
             <a:endParaRPr lang="en-US"/>
           </a:p>
@@ -2148,7 +2154,7 @@
           <a:p>
             <a:fld id="{6A861F7F-8477-407D-AFF9-DBEBB6A1FAB2}" type="datetimeFigureOut">
               <a:rPr lang="en-US" smtClean="0"/>
-              <a:t>28/11/2022</a:t>
+              <a:t>29/11/2022</a:t>
             </a:fld>
             <a:endParaRPr lang="en-US"/>
           </a:p>
@@ -2710,7 +2716,7 @@
           <a:p>
             <a:fld id="{6A861F7F-8477-407D-AFF9-DBEBB6A1FAB2}" type="datetimeFigureOut">
               <a:rPr lang="en-US" smtClean="0"/>
-              <a:t>28/11/2022</a:t>
+              <a:t>29/11/2022</a:t>
             </a:fld>
             <a:endParaRPr lang="en-US"/>
           </a:p>
@@ -3037,7 +3043,7 @@
           <a:p>
             <a:fld id="{6A861F7F-8477-407D-AFF9-DBEBB6A1FAB2}" type="datetimeFigureOut">
               <a:rPr lang="en-US" smtClean="0"/>
-              <a:t>28/11/2022</a:t>
+              <a:t>29/11/2022</a:t>
             </a:fld>
             <a:endParaRPr lang="en-US"/>
           </a:p>
@@ -3214,7 +3220,7 @@
           <a:p>
             <a:fld id="{6A861F7F-8477-407D-AFF9-DBEBB6A1FAB2}" type="datetimeFigureOut">
               <a:rPr lang="en-US" smtClean="0"/>
-              <a:t>28/11/2022</a:t>
+              <a:t>29/11/2022</a:t>
             </a:fld>
             <a:endParaRPr lang="en-US"/>
           </a:p>
@@ -3452,7 +3458,7 @@
           <a:p>
             <a:fld id="{6A861F7F-8477-407D-AFF9-DBEBB6A1FAB2}" type="datetimeFigureOut">
               <a:rPr lang="en-US" smtClean="0"/>
-              <a:t>28/11/2022</a:t>
+              <a:t>29/11/2022</a:t>
             </a:fld>
             <a:endParaRPr lang="en-US"/>
           </a:p>
@@ -3652,7 +3658,7 @@
           <a:p>
             <a:fld id="{6A861F7F-8477-407D-AFF9-DBEBB6A1FAB2}" type="datetimeFigureOut">
               <a:rPr lang="en-US" smtClean="0"/>
-              <a:t>28/11/2022</a:t>
+              <a:t>29/11/2022</a:t>
             </a:fld>
             <a:endParaRPr lang="en-US"/>
           </a:p>
@@ -3928,7 +3934,7 @@
           <a:p>
             <a:fld id="{6A861F7F-8477-407D-AFF9-DBEBB6A1FAB2}" type="datetimeFigureOut">
               <a:rPr lang="en-US" smtClean="0"/>
-              <a:t>28/11/2022</a:t>
+              <a:t>29/11/2022</a:t>
             </a:fld>
             <a:endParaRPr lang="en-US"/>
           </a:p>
@@ -4194,7 +4200,7 @@
           <a:p>
             <a:fld id="{6A861F7F-8477-407D-AFF9-DBEBB6A1FAB2}" type="datetimeFigureOut">
               <a:rPr lang="en-US" smtClean="0"/>
-              <a:t>28/11/2022</a:t>
+              <a:t>29/11/2022</a:t>
             </a:fld>
             <a:endParaRPr lang="en-US"/>
           </a:p>
@@ -4568,7 +4574,7 @@
           <a:p>
             <a:fld id="{6A861F7F-8477-407D-AFF9-DBEBB6A1FAB2}" type="datetimeFigureOut">
               <a:rPr lang="en-US" smtClean="0"/>
-              <a:t>28/11/2022</a:t>
+              <a:t>29/11/2022</a:t>
             </a:fld>
             <a:endParaRPr lang="en-US"/>
           </a:p>
@@ -4716,7 +4722,7 @@
           <a:p>
             <a:fld id="{6A861F7F-8477-407D-AFF9-DBEBB6A1FAB2}" type="datetimeFigureOut">
               <a:rPr lang="en-US" smtClean="0"/>
-              <a:t>28/11/2022</a:t>
+              <a:t>29/11/2022</a:t>
             </a:fld>
             <a:endParaRPr lang="en-US"/>
           </a:p>
@@ -4841,7 +4847,7 @@
           <a:p>
             <a:fld id="{6A861F7F-8477-407D-AFF9-DBEBB6A1FAB2}" type="datetimeFigureOut">
               <a:rPr lang="en-US" smtClean="0"/>
-              <a:t>28/11/2022</a:t>
+              <a:t>29/11/2022</a:t>
             </a:fld>
             <a:endParaRPr lang="en-US"/>
           </a:p>
@@ -5126,7 +5132,7 @@
           <a:p>
             <a:fld id="{6A861F7F-8477-407D-AFF9-DBEBB6A1FAB2}" type="datetimeFigureOut">
               <a:rPr lang="en-US" smtClean="0"/>
-              <a:t>28/11/2022</a:t>
+              <a:t>29/11/2022</a:t>
             </a:fld>
             <a:endParaRPr lang="en-US"/>
           </a:p>
@@ -5450,7 +5456,7 @@
           <a:p>
             <a:fld id="{6A861F7F-8477-407D-AFF9-DBEBB6A1FAB2}" type="datetimeFigureOut">
               <a:rPr lang="en-US" smtClean="0"/>
-              <a:t>28/11/2022</a:t>
+              <a:t>29/11/2022</a:t>
             </a:fld>
             <a:endParaRPr lang="en-US"/>
           </a:p>
@@ -5664,7 +5670,7 @@
           <a:p>
             <a:fld id="{6A861F7F-8477-407D-AFF9-DBEBB6A1FAB2}" type="datetimeFigureOut">
               <a:rPr lang="en-US" smtClean="0"/>
-              <a:t>28/11/2022</a:t>
+              <a:t>29/11/2022</a:t>
             </a:fld>
             <a:endParaRPr lang="en-US"/>
           </a:p>
@@ -6195,7 +6201,7 @@
         </p:nvSpPr>
         <p:spPr>
           <a:xfrm>
-            <a:off x="2497137" y="1999129"/>
+            <a:off x="4110784" y="2369174"/>
             <a:ext cx="7197726" cy="1059826"/>
           </a:xfrm>
         </p:spPr>
@@ -6231,7 +6237,7 @@
         </p:nvSpPr>
         <p:spPr>
           <a:xfrm>
-            <a:off x="7871011" y="3058955"/>
+            <a:off x="9417788" y="3407170"/>
             <a:ext cx="1451347" cy="332688"/>
           </a:xfrm>
         </p:spPr>
@@ -9197,6 +9203,99 @@
           </a:prstGeom>
         </p:spPr>
       </p:pic>
+      <p:grpSp>
+        <p:nvGrpSpPr>
+          <p:cNvPr id="3" name="Group 2">
+            <a:extLst>
+              <a:ext uri="{FF2B5EF4-FFF2-40B4-BE49-F238E27FC236}">
+                <a16:creationId xmlns:a16="http://schemas.microsoft.com/office/drawing/2014/main" id="{28BEA5CE-8E0D-61F7-0378-FBCF60812F35}"/>
+              </a:ext>
+            </a:extLst>
+          </p:cNvPr>
+          <p:cNvGrpSpPr/>
+          <p:nvPr/>
+        </p:nvGrpSpPr>
+        <p:grpSpPr>
+          <a:xfrm>
+            <a:off x="10343170" y="0"/>
+            <a:ext cx="2117772" cy="1335741"/>
+            <a:chOff x="9070181" y="4897808"/>
+            <a:chExt cx="3138067" cy="1960192"/>
+          </a:xfrm>
+        </p:grpSpPr>
+        <p:pic>
+          <p:nvPicPr>
+            <p:cNvPr id="4" name="Picture 3">
+              <a:extLst>
+                <a:ext uri="{FF2B5EF4-FFF2-40B4-BE49-F238E27FC236}">
+                  <a16:creationId xmlns:a16="http://schemas.microsoft.com/office/drawing/2014/main" id="{674768A6-8369-F860-F566-FC7CE8FA87E1}"/>
+                </a:ext>
+              </a:extLst>
+            </p:cNvPr>
+            <p:cNvPicPr>
+              <a:picLocks noChangeAspect="1"/>
+            </p:cNvPicPr>
+            <p:nvPr/>
+          </p:nvPicPr>
+          <p:blipFill>
+            <a:blip r:embed="rId4">
+              <a:extLst>
+                <a:ext uri="{28A0092B-C50C-407E-A947-70E740481C1C}">
+                  <a14:useLocalDpi xmlns:a14="http://schemas.microsoft.com/office/drawing/2010/main" val="0"/>
+                </a:ext>
+              </a:extLst>
+            </a:blip>
+            <a:stretch>
+              <a:fillRect/>
+            </a:stretch>
+          </p:blipFill>
+          <p:spPr>
+            <a:xfrm>
+              <a:off x="10248056" y="4897808"/>
+              <a:ext cx="1960192" cy="1960192"/>
+            </a:xfrm>
+            <a:prstGeom prst="rect">
+              <a:avLst/>
+            </a:prstGeom>
+          </p:spPr>
+        </p:pic>
+        <p:pic>
+          <p:nvPicPr>
+            <p:cNvPr id="6" name="Picture 5">
+              <a:extLst>
+                <a:ext uri="{FF2B5EF4-FFF2-40B4-BE49-F238E27FC236}">
+                  <a16:creationId xmlns:a16="http://schemas.microsoft.com/office/drawing/2014/main" id="{31D8E28B-6ACA-D6FC-96B6-BEDED89B3340}"/>
+                </a:ext>
+              </a:extLst>
+            </p:cNvPr>
+            <p:cNvPicPr>
+              <a:picLocks noChangeAspect="1"/>
+            </p:cNvPicPr>
+            <p:nvPr/>
+          </p:nvPicPr>
+          <p:blipFill>
+            <a:blip r:embed="rId5">
+              <a:extLst>
+                <a:ext uri="{28A0092B-C50C-407E-A947-70E740481C1C}">
+                  <a14:useLocalDpi xmlns:a14="http://schemas.microsoft.com/office/drawing/2010/main" val="0"/>
+                </a:ext>
+              </a:extLst>
+            </a:blip>
+            <a:stretch>
+              <a:fillRect/>
+            </a:stretch>
+          </p:blipFill>
+          <p:spPr>
+            <a:xfrm>
+              <a:off x="9070181" y="5109882"/>
+              <a:ext cx="1550054" cy="1550054"/>
+            </a:xfrm>
+            <a:prstGeom prst="rect">
+              <a:avLst/>
+            </a:prstGeom>
+          </p:spPr>
+        </p:pic>
+      </p:grpSp>
     </p:spTree>
     <p:extLst>
       <p:ext uri="{BB962C8B-B14F-4D97-AF65-F5344CB8AC3E}">
@@ -9310,8 +9409,8 @@
         </p:nvSpPr>
         <p:spPr>
           <a:xfrm>
-            <a:off x="1790700" y="5743575"/>
-            <a:ext cx="1729063" cy="369332"/>
+            <a:off x="841573" y="4230724"/>
+            <a:ext cx="10089754" cy="1323439"/>
           </a:xfrm>
           <a:prstGeom prst="rect">
             <a:avLst/>
@@ -9319,22 +9418,201 @@
           <a:noFill/>
         </p:spPr>
         <p:txBody>
-          <a:bodyPr wrap="none" rtlCol="0">
+          <a:bodyPr wrap="square" rtlCol="0">
             <a:spAutoFit/>
           </a:bodyPr>
           <a:lstStyle/>
           <a:p>
             <a:r>
-              <a:rPr lang="en-US" dirty="0"/>
-              <a:t>asdawsadae2wd</a:t>
-            </a:r>
-          </a:p>
-        </p:txBody>
-      </p:sp>
+              <a:rPr lang="en-US" sz="2000" dirty="0"/>
+              <a:t>This is a Single display method which is responsible for show the song list to the user as a tabular form for the entire program . Which is archive by format method. What can create the structure of the table mased on the fixed number of prints column by mean of the string length</a:t>
+            </a:r>
+          </a:p>
+          <a:p>
+            <a:r>
+              <a:rPr lang="en-US" sz="2000" dirty="0"/>
+              <a:t>Which is fixed while creating the format stamens.</a:t>
+            </a:r>
+          </a:p>
+        </p:txBody>
+      </p:sp>
+      <p:grpSp>
+        <p:nvGrpSpPr>
+          <p:cNvPr id="3" name="Group 2">
+            <a:extLst>
+              <a:ext uri="{FF2B5EF4-FFF2-40B4-BE49-F238E27FC236}">
+                <a16:creationId xmlns:a16="http://schemas.microsoft.com/office/drawing/2014/main" id="{451DE177-3858-6435-8A26-BCB9A783365B}"/>
+              </a:ext>
+            </a:extLst>
+          </p:cNvPr>
+          <p:cNvGrpSpPr/>
+          <p:nvPr/>
+        </p:nvGrpSpPr>
+        <p:grpSpPr>
+          <a:xfrm>
+            <a:off x="10291541" y="62753"/>
+            <a:ext cx="2117772" cy="1335741"/>
+            <a:chOff x="9070181" y="4897808"/>
+            <a:chExt cx="3138067" cy="1960192"/>
+          </a:xfrm>
+        </p:grpSpPr>
+        <p:pic>
+          <p:nvPicPr>
+            <p:cNvPr id="6" name="Picture 5">
+              <a:extLst>
+                <a:ext uri="{FF2B5EF4-FFF2-40B4-BE49-F238E27FC236}">
+                  <a16:creationId xmlns:a16="http://schemas.microsoft.com/office/drawing/2014/main" id="{B818A31B-176B-DF2F-D2EF-BB3AFFCFA5BE}"/>
+                </a:ext>
+              </a:extLst>
+            </p:cNvPr>
+            <p:cNvPicPr>
+              <a:picLocks noChangeAspect="1"/>
+            </p:cNvPicPr>
+            <p:nvPr/>
+          </p:nvPicPr>
+          <p:blipFill>
+            <a:blip r:embed="rId3">
+              <a:extLst>
+                <a:ext uri="{28A0092B-C50C-407E-A947-70E740481C1C}">
+                  <a14:useLocalDpi xmlns:a14="http://schemas.microsoft.com/office/drawing/2010/main" val="0"/>
+                </a:ext>
+              </a:extLst>
+            </a:blip>
+            <a:stretch>
+              <a:fillRect/>
+            </a:stretch>
+          </p:blipFill>
+          <p:spPr>
+            <a:xfrm>
+              <a:off x="10248056" y="4897808"/>
+              <a:ext cx="1960192" cy="1960192"/>
+            </a:xfrm>
+            <a:prstGeom prst="rect">
+              <a:avLst/>
+            </a:prstGeom>
+          </p:spPr>
+        </p:pic>
+        <p:pic>
+          <p:nvPicPr>
+            <p:cNvPr id="7" name="Picture 6">
+              <a:extLst>
+                <a:ext uri="{FF2B5EF4-FFF2-40B4-BE49-F238E27FC236}">
+                  <a16:creationId xmlns:a16="http://schemas.microsoft.com/office/drawing/2014/main" id="{DD2A2867-C135-1FAC-B056-7CA87074E59E}"/>
+                </a:ext>
+              </a:extLst>
+            </p:cNvPr>
+            <p:cNvPicPr>
+              <a:picLocks noChangeAspect="1"/>
+            </p:cNvPicPr>
+            <p:nvPr/>
+          </p:nvPicPr>
+          <p:blipFill>
+            <a:blip r:embed="rId4">
+              <a:extLst>
+                <a:ext uri="{28A0092B-C50C-407E-A947-70E740481C1C}">
+                  <a14:useLocalDpi xmlns:a14="http://schemas.microsoft.com/office/drawing/2010/main" val="0"/>
+                </a:ext>
+              </a:extLst>
+            </a:blip>
+            <a:stretch>
+              <a:fillRect/>
+            </a:stretch>
+          </p:blipFill>
+          <p:spPr>
+            <a:xfrm>
+              <a:off x="9070181" y="5109882"/>
+              <a:ext cx="1550054" cy="1550054"/>
+            </a:xfrm>
+            <a:prstGeom prst="rect">
+              <a:avLst/>
+            </a:prstGeom>
+          </p:spPr>
+        </p:pic>
+      </p:grpSp>
     </p:spTree>
     <p:extLst>
       <p:ext uri="{BB962C8B-B14F-4D97-AF65-F5344CB8AC3E}">
         <p14:creationId xmlns:p14="http://schemas.microsoft.com/office/powerpoint/2010/main" val="786541283"/>
+      </p:ext>
+    </p:extLst>
+  </p:cSld>
+  <p:clrMapOvr>
+    <a:masterClrMapping/>
+  </p:clrMapOvr>
+</p:sld>
+</file>
+
+<file path=ppt/slides/slide9.xml><?xml version="1.0" encoding="utf-8"?>
+<p:sld xmlns:a="http://schemas.openxmlformats.org/drawingml/2006/main" xmlns:r="http://schemas.openxmlformats.org/officeDocument/2006/relationships" xmlns:p="http://schemas.openxmlformats.org/presentationml/2006/main">
+  <p:cSld>
+    <p:spTree>
+      <p:nvGrpSpPr>
+        <p:cNvPr id="1" name=""/>
+        <p:cNvGrpSpPr/>
+        <p:nvPr/>
+      </p:nvGrpSpPr>
+      <p:grpSpPr>
+        <a:xfrm>
+          <a:off x="0" y="0"/>
+          <a:ext cx="0" cy="0"/>
+          <a:chOff x="0" y="0"/>
+          <a:chExt cx="0" cy="0"/>
+        </a:xfrm>
+      </p:grpSpPr>
+      <p:sp>
+        <p:nvSpPr>
+          <p:cNvPr id="2" name="Title 1">
+            <a:extLst>
+              <a:ext uri="{FF2B5EF4-FFF2-40B4-BE49-F238E27FC236}">
+                <a16:creationId xmlns:a16="http://schemas.microsoft.com/office/drawing/2014/main" id="{04B869C2-E220-3AF1-E101-0954D286903F}"/>
+              </a:ext>
+            </a:extLst>
+          </p:cNvPr>
+          <p:cNvSpPr>
+            <a:spLocks noGrp="1"/>
+          </p:cNvSpPr>
+          <p:nvPr>
+            <p:ph type="title"/>
+          </p:nvPr>
+        </p:nvSpPr>
+        <p:spPr/>
+        <p:txBody>
+          <a:bodyPr/>
+          <a:lstStyle/>
+          <a:p>
+            <a:endParaRPr lang="en-US"/>
+          </a:p>
+        </p:txBody>
+      </p:sp>
+      <p:sp>
+        <p:nvSpPr>
+          <p:cNvPr id="3" name="Content Placeholder 2">
+            <a:extLst>
+              <a:ext uri="{FF2B5EF4-FFF2-40B4-BE49-F238E27FC236}">
+                <a16:creationId xmlns:a16="http://schemas.microsoft.com/office/drawing/2014/main" id="{3CA79DCB-D316-CFBA-6B32-38237CB64F7D}"/>
+              </a:ext>
+            </a:extLst>
+          </p:cNvPr>
+          <p:cNvSpPr>
+            <a:spLocks noGrp="1"/>
+          </p:cNvSpPr>
+          <p:nvPr>
+            <p:ph idx="1"/>
+          </p:nvPr>
+        </p:nvSpPr>
+        <p:spPr/>
+        <p:txBody>
+          <a:bodyPr/>
+          <a:lstStyle/>
+          <a:p>
+            <a:endParaRPr lang="en-US"/>
+          </a:p>
+        </p:txBody>
+      </p:sp>
+    </p:spTree>
+    <p:extLst>
+      <p:ext uri="{BB962C8B-B14F-4D97-AF65-F5344CB8AC3E}">
+        <p14:creationId xmlns:p14="http://schemas.microsoft.com/office/powerpoint/2010/main" val="877879628"/>
       </p:ext>
     </p:extLst>
   </p:cSld>

--- a/lib/Welcome to Jukebox.pptx
+++ b/lib/Welcome to Jukebox.pptx
@@ -5,7 +5,7 @@
     <p:sldMasterId id="2147483702" r:id="rId1"/>
   </p:sldMasterIdLst>
   <p:notesMasterIdLst>
-    <p:notesMasterId r:id="rId11"/>
+    <p:notesMasterId r:id="rId18"/>
   </p:notesMasterIdLst>
   <p:sldIdLst>
     <p:sldId id="257" r:id="rId2"/>
@@ -16,7 +16,14 @@
     <p:sldId id="261" r:id="rId7"/>
     <p:sldId id="262" r:id="rId8"/>
     <p:sldId id="263" r:id="rId9"/>
-    <p:sldId id="264" r:id="rId10"/>
+    <p:sldId id="266" r:id="rId10"/>
+    <p:sldId id="264" r:id="rId11"/>
+    <p:sldId id="265" r:id="rId12"/>
+    <p:sldId id="267" r:id="rId13"/>
+    <p:sldId id="270" r:id="rId14"/>
+    <p:sldId id="271" r:id="rId15"/>
+    <p:sldId id="268" r:id="rId16"/>
+    <p:sldId id="269" r:id="rId17"/>
   </p:sldIdLst>
   <p:sldSz cx="12192000" cy="6858000"/>
   <p:notesSz cx="6858000" cy="9144000"/>
@@ -6523,6 +6530,1801 @@
 </p:sld>
 </file>
 
+<file path=ppt/slides/slide10.xml><?xml version="1.0" encoding="utf-8"?>
+<p:sld xmlns:a="http://schemas.openxmlformats.org/drawingml/2006/main" xmlns:r="http://schemas.openxmlformats.org/officeDocument/2006/relationships" xmlns:p="http://schemas.openxmlformats.org/presentationml/2006/main">
+  <p:cSld>
+    <p:spTree>
+      <p:nvGrpSpPr>
+        <p:cNvPr id="1" name=""/>
+        <p:cNvGrpSpPr/>
+        <p:nvPr/>
+      </p:nvGrpSpPr>
+      <p:grpSpPr>
+        <a:xfrm>
+          <a:off x="0" y="0"/>
+          <a:ext cx="0" cy="0"/>
+          <a:chOff x="0" y="0"/>
+          <a:chExt cx="0" cy="0"/>
+        </a:xfrm>
+      </p:grpSpPr>
+      <p:sp>
+        <p:nvSpPr>
+          <p:cNvPr id="2" name="Title 1">
+            <a:extLst>
+              <a:ext uri="{FF2B5EF4-FFF2-40B4-BE49-F238E27FC236}">
+                <a16:creationId xmlns:a16="http://schemas.microsoft.com/office/drawing/2014/main" id="{04B869C2-E220-3AF1-E101-0954D286903F}"/>
+              </a:ext>
+            </a:extLst>
+          </p:cNvPr>
+          <p:cNvSpPr>
+            <a:spLocks noGrp="1"/>
+          </p:cNvSpPr>
+          <p:nvPr>
+            <p:ph type="title"/>
+          </p:nvPr>
+        </p:nvSpPr>
+        <p:spPr>
+          <a:xfrm>
+            <a:off x="1030287" y="233082"/>
+            <a:ext cx="10131425" cy="1456267"/>
+          </a:xfrm>
+        </p:spPr>
+        <p:txBody>
+          <a:bodyPr/>
+          <a:lstStyle/>
+          <a:p>
+            <a:r>
+              <a:rPr lang="en-US" dirty="0"/>
+              <a:t>Playlist menu</a:t>
+            </a:r>
+          </a:p>
+        </p:txBody>
+      </p:sp>
+      <p:pic>
+        <p:nvPicPr>
+          <p:cNvPr id="5" name="Picture 4">
+            <a:extLst>
+              <a:ext uri="{FF2B5EF4-FFF2-40B4-BE49-F238E27FC236}">
+                <a16:creationId xmlns:a16="http://schemas.microsoft.com/office/drawing/2014/main" id="{D568DDA8-EC0C-55C4-9DC5-6A12AB6151F2}"/>
+              </a:ext>
+            </a:extLst>
+          </p:cNvPr>
+          <p:cNvPicPr>
+            <a:picLocks noChangeAspect="1"/>
+          </p:cNvPicPr>
+          <p:nvPr/>
+        </p:nvPicPr>
+        <p:blipFill>
+          <a:blip r:embed="rId2"/>
+          <a:stretch>
+            <a:fillRect/>
+          </a:stretch>
+        </p:blipFill>
+        <p:spPr>
+          <a:xfrm>
+            <a:off x="7565199" y="1462243"/>
+            <a:ext cx="4039612" cy="2810933"/>
+          </a:xfrm>
+          <a:prstGeom prst="rect">
+            <a:avLst/>
+          </a:prstGeom>
+        </p:spPr>
+      </p:pic>
+      <p:sp>
+        <p:nvSpPr>
+          <p:cNvPr id="6" name="TextBox 5">
+            <a:extLst>
+              <a:ext uri="{FF2B5EF4-FFF2-40B4-BE49-F238E27FC236}">
+                <a16:creationId xmlns:a16="http://schemas.microsoft.com/office/drawing/2014/main" id="{D1F48661-6444-91E7-AE63-FC19ACF69E12}"/>
+              </a:ext>
+            </a:extLst>
+          </p:cNvPr>
+          <p:cNvSpPr txBox="1"/>
+          <p:nvPr/>
+        </p:nvSpPr>
+        <p:spPr>
+          <a:xfrm>
+            <a:off x="1030288" y="1411443"/>
+            <a:ext cx="6534912" cy="4401205"/>
+          </a:xfrm>
+          <a:prstGeom prst="rect">
+            <a:avLst/>
+          </a:prstGeom>
+          <a:noFill/>
+        </p:spPr>
+        <p:txBody>
+          <a:bodyPr wrap="square" rtlCol="0">
+            <a:spAutoFit/>
+          </a:bodyPr>
+          <a:lstStyle/>
+          <a:p>
+            <a:r>
+              <a:rPr lang="en-US" sz="2000" dirty="0"/>
+              <a:t>Then playlist menu is Special feature were a user can create </a:t>
+            </a:r>
+          </a:p>
+          <a:p>
+            <a:r>
+              <a:rPr lang="en-US" sz="2000" dirty="0"/>
+              <a:t>there Own playlist by add few specific songs from the </a:t>
+            </a:r>
+          </a:p>
+          <a:p>
+            <a:r>
+              <a:rPr lang="en-US" sz="2000" dirty="0"/>
+              <a:t>database to enhance The user experience. </a:t>
+            </a:r>
+          </a:p>
+          <a:p>
+            <a:endParaRPr lang="en-US" sz="2000" dirty="0"/>
+          </a:p>
+          <a:p>
+            <a:r>
+              <a:rPr lang="en-US" sz="2000" dirty="0"/>
+              <a:t>CREATE NEW PLAYLIST</a:t>
+            </a:r>
+          </a:p>
+          <a:p>
+            <a:r>
+              <a:rPr lang="en-US" sz="2000" dirty="0"/>
+              <a:t>					if a user desired to create his own personal Playlist here come this option which helps them to personalize the Songs list.</a:t>
+            </a:r>
+          </a:p>
+          <a:p>
+            <a:endParaRPr lang="en-US" sz="2000" dirty="0"/>
+          </a:p>
+          <a:p>
+            <a:r>
+              <a:rPr lang="en-US" sz="2000" dirty="0"/>
+              <a:t>VIEW EXIXTING PLAYLIST</a:t>
+            </a:r>
+          </a:p>
+          <a:p>
+            <a:r>
+              <a:rPr lang="en-US" sz="2000" dirty="0"/>
+              <a:t>					Some of the user might have created </a:t>
+            </a:r>
+            <a:r>
+              <a:rPr lang="en-US" sz="2000" dirty="0" err="1"/>
+              <a:t>thereOwn</a:t>
+            </a:r>
+            <a:r>
+              <a:rPr lang="en-US" sz="2000" dirty="0"/>
+              <a:t> playlist. Here comes this option ,where it shows all the playlist Which are created by the user already.</a:t>
+            </a:r>
+          </a:p>
+          <a:p>
+            <a:r>
+              <a:rPr lang="en-US" sz="2000" dirty="0"/>
+              <a:t>			</a:t>
+            </a:r>
+          </a:p>
+        </p:txBody>
+      </p:sp>
+      <p:grpSp>
+        <p:nvGrpSpPr>
+          <p:cNvPr id="10" name="Group 9">
+            <a:extLst>
+              <a:ext uri="{FF2B5EF4-FFF2-40B4-BE49-F238E27FC236}">
+                <a16:creationId xmlns:a16="http://schemas.microsoft.com/office/drawing/2014/main" id="{720AE496-B2A4-4446-7AD1-2969D4F69A19}"/>
+              </a:ext>
+            </a:extLst>
+          </p:cNvPr>
+          <p:cNvGrpSpPr/>
+          <p:nvPr/>
+        </p:nvGrpSpPr>
+        <p:grpSpPr>
+          <a:xfrm>
+            <a:off x="10074228" y="5522259"/>
+            <a:ext cx="2117772" cy="1335741"/>
+            <a:chOff x="9070181" y="4897808"/>
+            <a:chExt cx="3138067" cy="1960192"/>
+          </a:xfrm>
+        </p:grpSpPr>
+        <p:pic>
+          <p:nvPicPr>
+            <p:cNvPr id="11" name="Picture 10">
+              <a:extLst>
+                <a:ext uri="{FF2B5EF4-FFF2-40B4-BE49-F238E27FC236}">
+                  <a16:creationId xmlns:a16="http://schemas.microsoft.com/office/drawing/2014/main" id="{3D11A02A-462F-710C-81E4-25A75636EBAC}"/>
+                </a:ext>
+              </a:extLst>
+            </p:cNvPr>
+            <p:cNvPicPr>
+              <a:picLocks noChangeAspect="1"/>
+            </p:cNvPicPr>
+            <p:nvPr/>
+          </p:nvPicPr>
+          <p:blipFill>
+            <a:blip r:embed="rId3">
+              <a:extLst>
+                <a:ext uri="{28A0092B-C50C-407E-A947-70E740481C1C}">
+                  <a14:useLocalDpi xmlns:a14="http://schemas.microsoft.com/office/drawing/2010/main" val="0"/>
+                </a:ext>
+              </a:extLst>
+            </a:blip>
+            <a:stretch>
+              <a:fillRect/>
+            </a:stretch>
+          </p:blipFill>
+          <p:spPr>
+            <a:xfrm>
+              <a:off x="10248056" y="4897808"/>
+              <a:ext cx="1960192" cy="1960192"/>
+            </a:xfrm>
+            <a:prstGeom prst="rect">
+              <a:avLst/>
+            </a:prstGeom>
+          </p:spPr>
+        </p:pic>
+        <p:pic>
+          <p:nvPicPr>
+            <p:cNvPr id="12" name="Picture 11">
+              <a:extLst>
+                <a:ext uri="{FF2B5EF4-FFF2-40B4-BE49-F238E27FC236}">
+                  <a16:creationId xmlns:a16="http://schemas.microsoft.com/office/drawing/2014/main" id="{0394FFCF-D009-4285-0509-1EEB0F89F094}"/>
+                </a:ext>
+              </a:extLst>
+            </p:cNvPr>
+            <p:cNvPicPr>
+              <a:picLocks noChangeAspect="1"/>
+            </p:cNvPicPr>
+            <p:nvPr/>
+          </p:nvPicPr>
+          <p:blipFill>
+            <a:blip r:embed="rId4">
+              <a:extLst>
+                <a:ext uri="{28A0092B-C50C-407E-A947-70E740481C1C}">
+                  <a14:useLocalDpi xmlns:a14="http://schemas.microsoft.com/office/drawing/2010/main" val="0"/>
+                </a:ext>
+              </a:extLst>
+            </a:blip>
+            <a:stretch>
+              <a:fillRect/>
+            </a:stretch>
+          </p:blipFill>
+          <p:spPr>
+            <a:xfrm>
+              <a:off x="9070181" y="5109882"/>
+              <a:ext cx="1550054" cy="1550054"/>
+            </a:xfrm>
+            <a:prstGeom prst="rect">
+              <a:avLst/>
+            </a:prstGeom>
+          </p:spPr>
+        </p:pic>
+      </p:grpSp>
+    </p:spTree>
+    <p:extLst>
+      <p:ext uri="{BB962C8B-B14F-4D97-AF65-F5344CB8AC3E}">
+        <p14:creationId xmlns:p14="http://schemas.microsoft.com/office/powerpoint/2010/main" val="877879628"/>
+      </p:ext>
+    </p:extLst>
+  </p:cSld>
+  <p:clrMapOvr>
+    <a:masterClrMapping/>
+  </p:clrMapOvr>
+</p:sld>
+</file>
+
+<file path=ppt/slides/slide11.xml><?xml version="1.0" encoding="utf-8"?>
+<p:sld xmlns:a="http://schemas.openxmlformats.org/drawingml/2006/main" xmlns:r="http://schemas.openxmlformats.org/officeDocument/2006/relationships" xmlns:p="http://schemas.openxmlformats.org/presentationml/2006/main">
+  <p:cSld>
+    <p:spTree>
+      <p:nvGrpSpPr>
+        <p:cNvPr id="1" name=""/>
+        <p:cNvGrpSpPr/>
+        <p:nvPr/>
+      </p:nvGrpSpPr>
+      <p:grpSpPr>
+        <a:xfrm>
+          <a:off x="0" y="0"/>
+          <a:ext cx="0" cy="0"/>
+          <a:chOff x="0" y="0"/>
+          <a:chExt cx="0" cy="0"/>
+        </a:xfrm>
+      </p:grpSpPr>
+      <p:sp>
+        <p:nvSpPr>
+          <p:cNvPr id="2" name="Title 1">
+            <a:extLst>
+              <a:ext uri="{FF2B5EF4-FFF2-40B4-BE49-F238E27FC236}">
+                <a16:creationId xmlns:a16="http://schemas.microsoft.com/office/drawing/2014/main" id="{30582BA6-8826-AAE0-04BE-BE107BB67609}"/>
+              </a:ext>
+            </a:extLst>
+          </p:cNvPr>
+          <p:cNvSpPr>
+            <a:spLocks noGrp="1"/>
+          </p:cNvSpPr>
+          <p:nvPr>
+            <p:ph type="title"/>
+          </p:nvPr>
+        </p:nvSpPr>
+        <p:spPr>
+          <a:xfrm>
+            <a:off x="1071284" y="134470"/>
+            <a:ext cx="4361328" cy="1434353"/>
+          </a:xfrm>
+        </p:spPr>
+        <p:txBody>
+          <a:bodyPr/>
+          <a:lstStyle/>
+          <a:p>
+            <a:r>
+              <a:rPr lang="en-US" dirty="0"/>
+              <a:t>Edit playlist</a:t>
+            </a:r>
+          </a:p>
+        </p:txBody>
+      </p:sp>
+      <p:pic>
+        <p:nvPicPr>
+          <p:cNvPr id="5" name="Picture 4">
+            <a:extLst>
+              <a:ext uri="{FF2B5EF4-FFF2-40B4-BE49-F238E27FC236}">
+                <a16:creationId xmlns:a16="http://schemas.microsoft.com/office/drawing/2014/main" id="{E7A2FAFA-AA54-8A20-31DC-759FCBF075D9}"/>
+              </a:ext>
+            </a:extLst>
+          </p:cNvPr>
+          <p:cNvPicPr>
+            <a:picLocks noChangeAspect="1"/>
+          </p:cNvPicPr>
+          <p:nvPr/>
+        </p:nvPicPr>
+        <p:blipFill>
+          <a:blip r:embed="rId2"/>
+          <a:stretch>
+            <a:fillRect/>
+          </a:stretch>
+        </p:blipFill>
+        <p:spPr>
+          <a:xfrm>
+            <a:off x="8717335" y="1384798"/>
+            <a:ext cx="3076575" cy="1628775"/>
+          </a:xfrm>
+          <a:prstGeom prst="rect">
+            <a:avLst/>
+          </a:prstGeom>
+        </p:spPr>
+      </p:pic>
+      <p:sp>
+        <p:nvSpPr>
+          <p:cNvPr id="6" name="TextBox 5">
+            <a:extLst>
+              <a:ext uri="{FF2B5EF4-FFF2-40B4-BE49-F238E27FC236}">
+                <a16:creationId xmlns:a16="http://schemas.microsoft.com/office/drawing/2014/main" id="{AAD162E2-0A68-AD6B-A237-8BDFF5AA7219}"/>
+              </a:ext>
+            </a:extLst>
+          </p:cNvPr>
+          <p:cNvSpPr txBox="1"/>
+          <p:nvPr/>
+        </p:nvSpPr>
+        <p:spPr>
+          <a:xfrm>
+            <a:off x="950258" y="1568823"/>
+            <a:ext cx="7225553" cy="1292662"/>
+          </a:xfrm>
+          <a:prstGeom prst="rect">
+            <a:avLst/>
+          </a:prstGeom>
+          <a:noFill/>
+        </p:spPr>
+        <p:txBody>
+          <a:bodyPr wrap="square" rtlCol="0">
+            <a:spAutoFit/>
+          </a:bodyPr>
+          <a:lstStyle/>
+          <a:p>
+            <a:r>
+              <a:rPr lang="en-US" sz="2000" dirty="0"/>
+              <a:t>Edit Feature is one of the key feature , like once a user is wishing to edit his playlist by adding Songs, Deleting the songs or ever Delete playlist which he Created for.</a:t>
+            </a:r>
+          </a:p>
+          <a:p>
+            <a:endParaRPr lang="en-US" dirty="0"/>
+          </a:p>
+        </p:txBody>
+      </p:sp>
+      <p:grpSp>
+        <p:nvGrpSpPr>
+          <p:cNvPr id="7" name="Group 6">
+            <a:extLst>
+              <a:ext uri="{FF2B5EF4-FFF2-40B4-BE49-F238E27FC236}">
+                <a16:creationId xmlns:a16="http://schemas.microsoft.com/office/drawing/2014/main" id="{E4D4EA5F-43C7-2435-F326-A6F3E4FB9271}"/>
+              </a:ext>
+            </a:extLst>
+          </p:cNvPr>
+          <p:cNvGrpSpPr/>
+          <p:nvPr/>
+        </p:nvGrpSpPr>
+        <p:grpSpPr>
+          <a:xfrm>
+            <a:off x="10352133" y="5522259"/>
+            <a:ext cx="2117772" cy="1335741"/>
+            <a:chOff x="9070181" y="4897808"/>
+            <a:chExt cx="3138067" cy="1960192"/>
+          </a:xfrm>
+        </p:grpSpPr>
+        <p:pic>
+          <p:nvPicPr>
+            <p:cNvPr id="8" name="Picture 7">
+              <a:extLst>
+                <a:ext uri="{FF2B5EF4-FFF2-40B4-BE49-F238E27FC236}">
+                  <a16:creationId xmlns:a16="http://schemas.microsoft.com/office/drawing/2014/main" id="{BCD7D3A5-48BC-A54B-BB1D-266F1C74A578}"/>
+                </a:ext>
+              </a:extLst>
+            </p:cNvPr>
+            <p:cNvPicPr>
+              <a:picLocks noChangeAspect="1"/>
+            </p:cNvPicPr>
+            <p:nvPr/>
+          </p:nvPicPr>
+          <p:blipFill>
+            <a:blip r:embed="rId3">
+              <a:extLst>
+                <a:ext uri="{28A0092B-C50C-407E-A947-70E740481C1C}">
+                  <a14:useLocalDpi xmlns:a14="http://schemas.microsoft.com/office/drawing/2010/main" val="0"/>
+                </a:ext>
+              </a:extLst>
+            </a:blip>
+            <a:stretch>
+              <a:fillRect/>
+            </a:stretch>
+          </p:blipFill>
+          <p:spPr>
+            <a:xfrm>
+              <a:off x="10248056" y="4897808"/>
+              <a:ext cx="1960192" cy="1960192"/>
+            </a:xfrm>
+            <a:prstGeom prst="rect">
+              <a:avLst/>
+            </a:prstGeom>
+          </p:spPr>
+        </p:pic>
+        <p:pic>
+          <p:nvPicPr>
+            <p:cNvPr id="9" name="Picture 8">
+              <a:extLst>
+                <a:ext uri="{FF2B5EF4-FFF2-40B4-BE49-F238E27FC236}">
+                  <a16:creationId xmlns:a16="http://schemas.microsoft.com/office/drawing/2014/main" id="{E16ADC6E-9D03-F26D-1F12-43762DF1599B}"/>
+                </a:ext>
+              </a:extLst>
+            </p:cNvPr>
+            <p:cNvPicPr>
+              <a:picLocks noChangeAspect="1"/>
+            </p:cNvPicPr>
+            <p:nvPr/>
+          </p:nvPicPr>
+          <p:blipFill>
+            <a:blip r:embed="rId4">
+              <a:extLst>
+                <a:ext uri="{28A0092B-C50C-407E-A947-70E740481C1C}">
+                  <a14:useLocalDpi xmlns:a14="http://schemas.microsoft.com/office/drawing/2010/main" val="0"/>
+                </a:ext>
+              </a:extLst>
+            </a:blip>
+            <a:stretch>
+              <a:fillRect/>
+            </a:stretch>
+          </p:blipFill>
+          <p:spPr>
+            <a:xfrm>
+              <a:off x="9070181" y="5109882"/>
+              <a:ext cx="1550054" cy="1550054"/>
+            </a:xfrm>
+            <a:prstGeom prst="rect">
+              <a:avLst/>
+            </a:prstGeom>
+          </p:spPr>
+        </p:pic>
+      </p:grpSp>
+      <p:pic>
+        <p:nvPicPr>
+          <p:cNvPr id="11" name="Picture 10">
+            <a:extLst>
+              <a:ext uri="{FF2B5EF4-FFF2-40B4-BE49-F238E27FC236}">
+                <a16:creationId xmlns:a16="http://schemas.microsoft.com/office/drawing/2014/main" id="{622A9979-57F1-B548-5977-534450C4C976}"/>
+              </a:ext>
+            </a:extLst>
+          </p:cNvPr>
+          <p:cNvPicPr>
+            <a:picLocks noChangeAspect="1"/>
+          </p:cNvPicPr>
+          <p:nvPr/>
+        </p:nvPicPr>
+        <p:blipFill>
+          <a:blip r:embed="rId5"/>
+          <a:stretch>
+            <a:fillRect/>
+          </a:stretch>
+        </p:blipFill>
+        <p:spPr>
+          <a:xfrm>
+            <a:off x="290574" y="3013573"/>
+            <a:ext cx="6203450" cy="3554786"/>
+          </a:xfrm>
+          <a:prstGeom prst="rect">
+            <a:avLst/>
+          </a:prstGeom>
+        </p:spPr>
+      </p:pic>
+      <p:sp>
+        <p:nvSpPr>
+          <p:cNvPr id="12" name="TextBox 11">
+            <a:extLst>
+              <a:ext uri="{FF2B5EF4-FFF2-40B4-BE49-F238E27FC236}">
+                <a16:creationId xmlns:a16="http://schemas.microsoft.com/office/drawing/2014/main" id="{5E5B6A53-E2C8-4944-1745-34C2502E4B62}"/>
+              </a:ext>
+            </a:extLst>
+          </p:cNvPr>
+          <p:cNvSpPr txBox="1"/>
+          <p:nvPr/>
+        </p:nvSpPr>
+        <p:spPr>
+          <a:xfrm>
+            <a:off x="6642436" y="3197598"/>
+            <a:ext cx="4477869" cy="2339102"/>
+          </a:xfrm>
+          <a:prstGeom prst="rect">
+            <a:avLst/>
+          </a:prstGeom>
+          <a:noFill/>
+        </p:spPr>
+        <p:txBody>
+          <a:bodyPr wrap="square" rtlCol="0">
+            <a:spAutoFit/>
+          </a:bodyPr>
+          <a:lstStyle/>
+          <a:p>
+            <a:r>
+              <a:rPr lang="en-US" sz="2400" dirty="0"/>
+              <a:t>Delete Song from Playlist</a:t>
+            </a:r>
+          </a:p>
+          <a:p>
+            <a:endParaRPr lang="en-US" sz="2400" dirty="0"/>
+          </a:p>
+          <a:p>
+            <a:r>
+              <a:rPr lang="en-US" sz="2000" dirty="0"/>
+              <a:t>I this option the user must to select the playlist in order to perform the further process , the deletion is performed based on the </a:t>
+            </a:r>
+            <a:r>
+              <a:rPr lang="en-US" sz="2000" dirty="0" err="1"/>
+              <a:t>song_id</a:t>
+            </a:r>
+            <a:r>
+              <a:rPr lang="en-US" sz="2000" dirty="0"/>
+              <a:t> .</a:t>
+            </a:r>
+          </a:p>
+          <a:p>
+            <a:endParaRPr lang="en-US" dirty="0"/>
+          </a:p>
+        </p:txBody>
+      </p:sp>
+    </p:spTree>
+    <p:extLst>
+      <p:ext uri="{BB962C8B-B14F-4D97-AF65-F5344CB8AC3E}">
+        <p14:creationId xmlns:p14="http://schemas.microsoft.com/office/powerpoint/2010/main" val="3538687757"/>
+      </p:ext>
+    </p:extLst>
+  </p:cSld>
+  <p:clrMapOvr>
+    <a:masterClrMapping/>
+  </p:clrMapOvr>
+</p:sld>
+</file>
+
+<file path=ppt/slides/slide12.xml><?xml version="1.0" encoding="utf-8"?>
+<p:sld xmlns:a="http://schemas.openxmlformats.org/drawingml/2006/main" xmlns:r="http://schemas.openxmlformats.org/officeDocument/2006/relationships" xmlns:p="http://schemas.openxmlformats.org/presentationml/2006/main">
+  <p:cSld>
+    <p:spTree>
+      <p:nvGrpSpPr>
+        <p:cNvPr id="1" name=""/>
+        <p:cNvGrpSpPr/>
+        <p:nvPr/>
+      </p:nvGrpSpPr>
+      <p:grpSpPr>
+        <a:xfrm>
+          <a:off x="0" y="0"/>
+          <a:ext cx="0" cy="0"/>
+          <a:chOff x="0" y="0"/>
+          <a:chExt cx="0" cy="0"/>
+        </a:xfrm>
+      </p:grpSpPr>
+      <p:sp>
+        <p:nvSpPr>
+          <p:cNvPr id="5" name="TextBox 4">
+            <a:extLst>
+              <a:ext uri="{FF2B5EF4-FFF2-40B4-BE49-F238E27FC236}">
+                <a16:creationId xmlns:a16="http://schemas.microsoft.com/office/drawing/2014/main" id="{DD5F9C93-B2A7-C0ED-38BE-5A2B1D886621}"/>
+              </a:ext>
+            </a:extLst>
+          </p:cNvPr>
+          <p:cNvSpPr txBox="1"/>
+          <p:nvPr/>
+        </p:nvSpPr>
+        <p:spPr>
+          <a:xfrm>
+            <a:off x="475129" y="759042"/>
+            <a:ext cx="5316071" cy="1815882"/>
+          </a:xfrm>
+          <a:prstGeom prst="rect">
+            <a:avLst/>
+          </a:prstGeom>
+          <a:noFill/>
+        </p:spPr>
+        <p:txBody>
+          <a:bodyPr wrap="square">
+            <a:spAutoFit/>
+          </a:bodyPr>
+          <a:lstStyle/>
+          <a:p>
+            <a:r>
+              <a:rPr lang="en-US" sz="2000" dirty="0"/>
+              <a:t>Add Song from Playlist</a:t>
+            </a:r>
+          </a:p>
+          <a:p>
+            <a:endParaRPr lang="en-US" sz="2000" dirty="0"/>
+          </a:p>
+          <a:p>
+            <a:r>
+              <a:rPr lang="en-US" sz="1800" dirty="0"/>
+              <a:t>	I this option the user must to select the playlist in order to perform the further process , the </a:t>
+            </a:r>
+            <a:r>
+              <a:rPr lang="en-US" dirty="0"/>
+              <a:t>addition</a:t>
+            </a:r>
+            <a:r>
+              <a:rPr lang="en-US" sz="1800" dirty="0"/>
+              <a:t> is performed based on the </a:t>
+            </a:r>
+            <a:r>
+              <a:rPr lang="en-US" sz="1800" dirty="0" err="1"/>
+              <a:t>song_id</a:t>
+            </a:r>
+            <a:r>
+              <a:rPr lang="en-US" sz="1800" dirty="0"/>
+              <a:t>  and the song can not be repeated  as it wi</a:t>
+            </a:r>
+            <a:r>
+              <a:rPr lang="en-US" dirty="0"/>
+              <a:t>ll it will create the duplicate entry.</a:t>
+            </a:r>
+            <a:endParaRPr lang="en-US" sz="1800" dirty="0"/>
+          </a:p>
+        </p:txBody>
+      </p:sp>
+      <p:pic>
+        <p:nvPicPr>
+          <p:cNvPr id="7" name="Picture 6">
+            <a:extLst>
+              <a:ext uri="{FF2B5EF4-FFF2-40B4-BE49-F238E27FC236}">
+                <a16:creationId xmlns:a16="http://schemas.microsoft.com/office/drawing/2014/main" id="{ADE102BA-8CA3-590D-6F1B-C2F2EA958ACB}"/>
+              </a:ext>
+            </a:extLst>
+          </p:cNvPr>
+          <p:cNvPicPr>
+            <a:picLocks noChangeAspect="1"/>
+          </p:cNvPicPr>
+          <p:nvPr/>
+        </p:nvPicPr>
+        <p:blipFill>
+          <a:blip r:embed="rId2"/>
+          <a:stretch>
+            <a:fillRect/>
+          </a:stretch>
+        </p:blipFill>
+        <p:spPr>
+          <a:xfrm>
+            <a:off x="5791200" y="640601"/>
+            <a:ext cx="5219022" cy="3868646"/>
+          </a:xfrm>
+          <a:prstGeom prst="rect">
+            <a:avLst/>
+          </a:prstGeom>
+        </p:spPr>
+      </p:pic>
+      <p:sp>
+        <p:nvSpPr>
+          <p:cNvPr id="8" name="TextBox 7">
+            <a:extLst>
+              <a:ext uri="{FF2B5EF4-FFF2-40B4-BE49-F238E27FC236}">
+                <a16:creationId xmlns:a16="http://schemas.microsoft.com/office/drawing/2014/main" id="{2592B8F8-A8A6-C620-61B3-79C8DBC38B8A}"/>
+              </a:ext>
+            </a:extLst>
+          </p:cNvPr>
+          <p:cNvSpPr txBox="1"/>
+          <p:nvPr/>
+        </p:nvSpPr>
+        <p:spPr>
+          <a:xfrm>
+            <a:off x="5791200" y="4532311"/>
+            <a:ext cx="6194612" cy="1138773"/>
+          </a:xfrm>
+          <a:prstGeom prst="rect">
+            <a:avLst/>
+          </a:prstGeom>
+          <a:noFill/>
+        </p:spPr>
+        <p:txBody>
+          <a:bodyPr wrap="square" rtlCol="0">
+            <a:spAutoFit/>
+          </a:bodyPr>
+          <a:lstStyle/>
+          <a:p>
+            <a:r>
+              <a:rPr lang="en-IN" sz="2400" dirty="0"/>
+              <a:t>Delete Playlist</a:t>
+            </a:r>
+          </a:p>
+          <a:p>
+            <a:r>
+              <a:rPr lang="en-IN" sz="2400" dirty="0"/>
+              <a:t>				</a:t>
+            </a:r>
+            <a:r>
+              <a:rPr lang="en-IN" sz="2000" dirty="0"/>
+              <a:t>This helps to delete the entire playlist from The database permanently.  </a:t>
+            </a:r>
+            <a:endParaRPr lang="en-US" sz="2000" dirty="0"/>
+          </a:p>
+        </p:txBody>
+      </p:sp>
+      <p:pic>
+        <p:nvPicPr>
+          <p:cNvPr id="10" name="Picture 9">
+            <a:extLst>
+              <a:ext uri="{FF2B5EF4-FFF2-40B4-BE49-F238E27FC236}">
+                <a16:creationId xmlns:a16="http://schemas.microsoft.com/office/drawing/2014/main" id="{0CD36FF6-D14D-DEE8-7267-5911861CC61D}"/>
+              </a:ext>
+            </a:extLst>
+          </p:cNvPr>
+          <p:cNvPicPr>
+            <a:picLocks noChangeAspect="1"/>
+          </p:cNvPicPr>
+          <p:nvPr/>
+        </p:nvPicPr>
+        <p:blipFill>
+          <a:blip r:embed="rId3"/>
+          <a:stretch>
+            <a:fillRect/>
+          </a:stretch>
+        </p:blipFill>
+        <p:spPr>
+          <a:xfrm>
+            <a:off x="2429996" y="2574924"/>
+            <a:ext cx="3047439" cy="3278789"/>
+          </a:xfrm>
+          <a:prstGeom prst="rect">
+            <a:avLst/>
+          </a:prstGeom>
+        </p:spPr>
+      </p:pic>
+      <p:grpSp>
+        <p:nvGrpSpPr>
+          <p:cNvPr id="11" name="Group 10">
+            <a:extLst>
+              <a:ext uri="{FF2B5EF4-FFF2-40B4-BE49-F238E27FC236}">
+                <a16:creationId xmlns:a16="http://schemas.microsoft.com/office/drawing/2014/main" id="{487F9DD2-B17A-0430-8568-0105DDC8D5FF}"/>
+              </a:ext>
+            </a:extLst>
+          </p:cNvPr>
+          <p:cNvGrpSpPr/>
+          <p:nvPr/>
+        </p:nvGrpSpPr>
+        <p:grpSpPr>
+          <a:xfrm>
+            <a:off x="10352133" y="5522259"/>
+            <a:ext cx="2117772" cy="1335741"/>
+            <a:chOff x="9070181" y="4897808"/>
+            <a:chExt cx="3138067" cy="1960192"/>
+          </a:xfrm>
+        </p:grpSpPr>
+        <p:pic>
+          <p:nvPicPr>
+            <p:cNvPr id="12" name="Picture 11">
+              <a:extLst>
+                <a:ext uri="{FF2B5EF4-FFF2-40B4-BE49-F238E27FC236}">
+                  <a16:creationId xmlns:a16="http://schemas.microsoft.com/office/drawing/2014/main" id="{516B58FA-4E70-DA99-32D8-F4F525EFA1FC}"/>
+                </a:ext>
+              </a:extLst>
+            </p:cNvPr>
+            <p:cNvPicPr>
+              <a:picLocks noChangeAspect="1"/>
+            </p:cNvPicPr>
+            <p:nvPr/>
+          </p:nvPicPr>
+          <p:blipFill>
+            <a:blip r:embed="rId4">
+              <a:extLst>
+                <a:ext uri="{28A0092B-C50C-407E-A947-70E740481C1C}">
+                  <a14:useLocalDpi xmlns:a14="http://schemas.microsoft.com/office/drawing/2010/main" val="0"/>
+                </a:ext>
+              </a:extLst>
+            </a:blip>
+            <a:stretch>
+              <a:fillRect/>
+            </a:stretch>
+          </p:blipFill>
+          <p:spPr>
+            <a:xfrm>
+              <a:off x="10248056" y="4897808"/>
+              <a:ext cx="1960192" cy="1960192"/>
+            </a:xfrm>
+            <a:prstGeom prst="rect">
+              <a:avLst/>
+            </a:prstGeom>
+          </p:spPr>
+        </p:pic>
+        <p:pic>
+          <p:nvPicPr>
+            <p:cNvPr id="13" name="Picture 12">
+              <a:extLst>
+                <a:ext uri="{FF2B5EF4-FFF2-40B4-BE49-F238E27FC236}">
+                  <a16:creationId xmlns:a16="http://schemas.microsoft.com/office/drawing/2014/main" id="{2829CA9B-A6E1-47F6-1D12-064462883915}"/>
+                </a:ext>
+              </a:extLst>
+            </p:cNvPr>
+            <p:cNvPicPr>
+              <a:picLocks noChangeAspect="1"/>
+            </p:cNvPicPr>
+            <p:nvPr/>
+          </p:nvPicPr>
+          <p:blipFill>
+            <a:blip r:embed="rId5">
+              <a:extLst>
+                <a:ext uri="{28A0092B-C50C-407E-A947-70E740481C1C}">
+                  <a14:useLocalDpi xmlns:a14="http://schemas.microsoft.com/office/drawing/2010/main" val="0"/>
+                </a:ext>
+              </a:extLst>
+            </a:blip>
+            <a:stretch>
+              <a:fillRect/>
+            </a:stretch>
+          </p:blipFill>
+          <p:spPr>
+            <a:xfrm>
+              <a:off x="9070181" y="5109882"/>
+              <a:ext cx="1550054" cy="1550054"/>
+            </a:xfrm>
+            <a:prstGeom prst="rect">
+              <a:avLst/>
+            </a:prstGeom>
+          </p:spPr>
+        </p:pic>
+      </p:grpSp>
+    </p:spTree>
+    <p:extLst>
+      <p:ext uri="{BB962C8B-B14F-4D97-AF65-F5344CB8AC3E}">
+        <p14:creationId xmlns:p14="http://schemas.microsoft.com/office/powerpoint/2010/main" val="5752153"/>
+      </p:ext>
+    </p:extLst>
+  </p:cSld>
+  <p:clrMapOvr>
+    <a:masterClrMapping/>
+  </p:clrMapOvr>
+</p:sld>
+</file>
+
+<file path=ppt/slides/slide13.xml><?xml version="1.0" encoding="utf-8"?>
+<p:sld xmlns:a="http://schemas.openxmlformats.org/drawingml/2006/main" xmlns:r="http://schemas.openxmlformats.org/officeDocument/2006/relationships" xmlns:p="http://schemas.openxmlformats.org/presentationml/2006/main">
+  <p:cSld>
+    <p:spTree>
+      <p:nvGrpSpPr>
+        <p:cNvPr id="1" name=""/>
+        <p:cNvGrpSpPr/>
+        <p:nvPr/>
+      </p:nvGrpSpPr>
+      <p:grpSpPr>
+        <a:xfrm>
+          <a:off x="0" y="0"/>
+          <a:ext cx="0" cy="0"/>
+          <a:chOff x="0" y="0"/>
+          <a:chExt cx="0" cy="0"/>
+        </a:xfrm>
+      </p:grpSpPr>
+      <p:sp>
+        <p:nvSpPr>
+          <p:cNvPr id="2" name="Title 1">
+            <a:extLst>
+              <a:ext uri="{FF2B5EF4-FFF2-40B4-BE49-F238E27FC236}">
+                <a16:creationId xmlns:a16="http://schemas.microsoft.com/office/drawing/2014/main" id="{43BC7D99-DD28-7050-38F4-62B844D5D472}"/>
+              </a:ext>
+            </a:extLst>
+          </p:cNvPr>
+          <p:cNvSpPr>
+            <a:spLocks noGrp="1"/>
+          </p:cNvSpPr>
+          <p:nvPr>
+            <p:ph type="title"/>
+          </p:nvPr>
+        </p:nvSpPr>
+        <p:spPr>
+          <a:xfrm>
+            <a:off x="667873" y="295837"/>
+            <a:ext cx="4208928" cy="1246094"/>
+          </a:xfrm>
+        </p:spPr>
+        <p:txBody>
+          <a:bodyPr/>
+          <a:lstStyle/>
+          <a:p>
+            <a:r>
+              <a:rPr lang="en-IN" dirty="0"/>
+              <a:t>Audio Processing</a:t>
+            </a:r>
+            <a:endParaRPr lang="en-US" dirty="0"/>
+          </a:p>
+        </p:txBody>
+      </p:sp>
+      <p:sp>
+        <p:nvSpPr>
+          <p:cNvPr id="4" name="TextBox 3">
+            <a:extLst>
+              <a:ext uri="{FF2B5EF4-FFF2-40B4-BE49-F238E27FC236}">
+                <a16:creationId xmlns:a16="http://schemas.microsoft.com/office/drawing/2014/main" id="{84B2A8B4-4FEB-08C6-83F1-11BBFEC5B2D2}"/>
+              </a:ext>
+            </a:extLst>
+          </p:cNvPr>
+          <p:cNvSpPr txBox="1"/>
+          <p:nvPr/>
+        </p:nvSpPr>
+        <p:spPr>
+          <a:xfrm>
+            <a:off x="2760920" y="1918447"/>
+            <a:ext cx="6670159" cy="2168286"/>
+          </a:xfrm>
+          <a:prstGeom prst="rect">
+            <a:avLst/>
+          </a:prstGeom>
+          <a:noFill/>
+        </p:spPr>
+        <p:txBody>
+          <a:bodyPr wrap="none" rtlCol="0">
+            <a:spAutoFit/>
+          </a:bodyPr>
+          <a:lstStyle/>
+          <a:p>
+            <a:r>
+              <a:rPr lang="en-IN" dirty="0"/>
+              <a:t>In order to play audio we have  to import few class and interfaces like</a:t>
+            </a:r>
+          </a:p>
+          <a:p>
+            <a:pPr marL="285750" indent="-285750">
+              <a:lnSpc>
+                <a:spcPct val="150000"/>
+              </a:lnSpc>
+              <a:buFont typeface="Arial" panose="020B0604020202020204" pitchFamily="34" charset="0"/>
+              <a:buChar char="•"/>
+            </a:pPr>
+            <a:r>
+              <a:rPr lang="en-US" sz="2000" dirty="0" err="1"/>
+              <a:t>AudioInputStream</a:t>
+            </a:r>
+            <a:endParaRPr lang="en-US" sz="2000" dirty="0"/>
+          </a:p>
+          <a:p>
+            <a:pPr marL="285750" indent="-285750">
+              <a:lnSpc>
+                <a:spcPct val="150000"/>
+              </a:lnSpc>
+              <a:buFont typeface="Arial" panose="020B0604020202020204" pitchFamily="34" charset="0"/>
+              <a:buChar char="•"/>
+            </a:pPr>
+            <a:r>
+              <a:rPr lang="en-US" sz="2000" dirty="0" err="1"/>
+              <a:t>AudioSystem</a:t>
+            </a:r>
+            <a:endParaRPr lang="en-US" sz="2000" dirty="0"/>
+          </a:p>
+          <a:p>
+            <a:pPr marL="285750" indent="-285750">
+              <a:lnSpc>
+                <a:spcPct val="150000"/>
+              </a:lnSpc>
+              <a:buFont typeface="Arial" panose="020B0604020202020204" pitchFamily="34" charset="0"/>
+              <a:buChar char="•"/>
+            </a:pPr>
+            <a:r>
+              <a:rPr lang="en-US" sz="2000" dirty="0"/>
+              <a:t>File</a:t>
+            </a:r>
+          </a:p>
+          <a:p>
+            <a:pPr>
+              <a:lnSpc>
+                <a:spcPct val="150000"/>
+              </a:lnSpc>
+            </a:pPr>
+            <a:r>
+              <a:rPr lang="en-US" sz="2000" dirty="0"/>
+              <a:t>The above object are very import to play audio</a:t>
+            </a:r>
+          </a:p>
+        </p:txBody>
+      </p:sp>
+      <p:grpSp>
+        <p:nvGrpSpPr>
+          <p:cNvPr id="7" name="Group 6">
+            <a:extLst>
+              <a:ext uri="{FF2B5EF4-FFF2-40B4-BE49-F238E27FC236}">
+                <a16:creationId xmlns:a16="http://schemas.microsoft.com/office/drawing/2014/main" id="{C4DF07A1-D8AF-C7BF-C255-DF42CD810C93}"/>
+              </a:ext>
+            </a:extLst>
+          </p:cNvPr>
+          <p:cNvGrpSpPr/>
+          <p:nvPr/>
+        </p:nvGrpSpPr>
+        <p:grpSpPr>
+          <a:xfrm>
+            <a:off x="10352133" y="5522259"/>
+            <a:ext cx="2117772" cy="1335741"/>
+            <a:chOff x="9070181" y="4897808"/>
+            <a:chExt cx="3138067" cy="1960192"/>
+          </a:xfrm>
+        </p:grpSpPr>
+        <p:pic>
+          <p:nvPicPr>
+            <p:cNvPr id="8" name="Picture 7">
+              <a:extLst>
+                <a:ext uri="{FF2B5EF4-FFF2-40B4-BE49-F238E27FC236}">
+                  <a16:creationId xmlns:a16="http://schemas.microsoft.com/office/drawing/2014/main" id="{19BAE6BB-750F-07CE-4D7E-1953CBA6D14B}"/>
+                </a:ext>
+              </a:extLst>
+            </p:cNvPr>
+            <p:cNvPicPr>
+              <a:picLocks noChangeAspect="1"/>
+            </p:cNvPicPr>
+            <p:nvPr/>
+          </p:nvPicPr>
+          <p:blipFill>
+            <a:blip r:embed="rId2">
+              <a:extLst>
+                <a:ext uri="{28A0092B-C50C-407E-A947-70E740481C1C}">
+                  <a14:useLocalDpi xmlns:a14="http://schemas.microsoft.com/office/drawing/2010/main" val="0"/>
+                </a:ext>
+              </a:extLst>
+            </a:blip>
+            <a:stretch>
+              <a:fillRect/>
+            </a:stretch>
+          </p:blipFill>
+          <p:spPr>
+            <a:xfrm>
+              <a:off x="10248056" y="4897808"/>
+              <a:ext cx="1960192" cy="1960192"/>
+            </a:xfrm>
+            <a:prstGeom prst="rect">
+              <a:avLst/>
+            </a:prstGeom>
+          </p:spPr>
+        </p:pic>
+        <p:pic>
+          <p:nvPicPr>
+            <p:cNvPr id="9" name="Picture 8">
+              <a:extLst>
+                <a:ext uri="{FF2B5EF4-FFF2-40B4-BE49-F238E27FC236}">
+                  <a16:creationId xmlns:a16="http://schemas.microsoft.com/office/drawing/2014/main" id="{20AA0751-411F-4F5C-E0A9-3E9A08EA111D}"/>
+                </a:ext>
+              </a:extLst>
+            </p:cNvPr>
+            <p:cNvPicPr>
+              <a:picLocks noChangeAspect="1"/>
+            </p:cNvPicPr>
+            <p:nvPr/>
+          </p:nvPicPr>
+          <p:blipFill>
+            <a:blip r:embed="rId3">
+              <a:extLst>
+                <a:ext uri="{28A0092B-C50C-407E-A947-70E740481C1C}">
+                  <a14:useLocalDpi xmlns:a14="http://schemas.microsoft.com/office/drawing/2010/main" val="0"/>
+                </a:ext>
+              </a:extLst>
+            </a:blip>
+            <a:stretch>
+              <a:fillRect/>
+            </a:stretch>
+          </p:blipFill>
+          <p:spPr>
+            <a:xfrm>
+              <a:off x="9070181" y="5109882"/>
+              <a:ext cx="1550054" cy="1550054"/>
+            </a:xfrm>
+            <a:prstGeom prst="rect">
+              <a:avLst/>
+            </a:prstGeom>
+          </p:spPr>
+        </p:pic>
+      </p:grpSp>
+    </p:spTree>
+    <p:extLst>
+      <p:ext uri="{BB962C8B-B14F-4D97-AF65-F5344CB8AC3E}">
+        <p14:creationId xmlns:p14="http://schemas.microsoft.com/office/powerpoint/2010/main" val="1469007267"/>
+      </p:ext>
+    </p:extLst>
+  </p:cSld>
+  <p:clrMapOvr>
+    <a:masterClrMapping/>
+  </p:clrMapOvr>
+</p:sld>
+</file>
+
+<file path=ppt/slides/slide14.xml><?xml version="1.0" encoding="utf-8"?>
+<p:sld xmlns:a="http://schemas.openxmlformats.org/drawingml/2006/main" xmlns:r="http://schemas.openxmlformats.org/officeDocument/2006/relationships" xmlns:p="http://schemas.openxmlformats.org/presentationml/2006/main">
+  <p:cSld>
+    <p:spTree>
+      <p:nvGrpSpPr>
+        <p:cNvPr id="1" name=""/>
+        <p:cNvGrpSpPr/>
+        <p:nvPr/>
+      </p:nvGrpSpPr>
+      <p:grpSpPr>
+        <a:xfrm>
+          <a:off x="0" y="0"/>
+          <a:ext cx="0" cy="0"/>
+          <a:chOff x="0" y="0"/>
+          <a:chExt cx="0" cy="0"/>
+        </a:xfrm>
+      </p:grpSpPr>
+      <p:sp>
+        <p:nvSpPr>
+          <p:cNvPr id="2" name="Title 1">
+            <a:extLst>
+              <a:ext uri="{FF2B5EF4-FFF2-40B4-BE49-F238E27FC236}">
+                <a16:creationId xmlns:a16="http://schemas.microsoft.com/office/drawing/2014/main" id="{A6112BB1-0280-7841-6690-586B2E4E326A}"/>
+              </a:ext>
+            </a:extLst>
+          </p:cNvPr>
+          <p:cNvSpPr>
+            <a:spLocks noGrp="1"/>
+          </p:cNvSpPr>
+          <p:nvPr>
+            <p:ph type="title"/>
+          </p:nvPr>
+        </p:nvSpPr>
+        <p:spPr/>
+        <p:txBody>
+          <a:bodyPr/>
+          <a:lstStyle/>
+          <a:p>
+            <a:r>
+              <a:rPr lang="en-IN" dirty="0"/>
+              <a:t>Audio User interface</a:t>
+            </a:r>
+            <a:endParaRPr lang="en-US" dirty="0"/>
+          </a:p>
+        </p:txBody>
+      </p:sp>
+      <p:pic>
+        <p:nvPicPr>
+          <p:cNvPr id="5" name="Picture 4">
+            <a:extLst>
+              <a:ext uri="{FF2B5EF4-FFF2-40B4-BE49-F238E27FC236}">
+                <a16:creationId xmlns:a16="http://schemas.microsoft.com/office/drawing/2014/main" id="{06031030-562B-B6E8-75DE-1655121FF050}"/>
+              </a:ext>
+            </a:extLst>
+          </p:cNvPr>
+          <p:cNvPicPr>
+            <a:picLocks noChangeAspect="1"/>
+          </p:cNvPicPr>
+          <p:nvPr/>
+        </p:nvPicPr>
+        <p:blipFill>
+          <a:blip r:embed="rId2"/>
+          <a:stretch>
+            <a:fillRect/>
+          </a:stretch>
+        </p:blipFill>
+        <p:spPr>
+          <a:xfrm>
+            <a:off x="5029198" y="1841939"/>
+            <a:ext cx="6970059" cy="752475"/>
+          </a:xfrm>
+          <a:prstGeom prst="rect">
+            <a:avLst/>
+          </a:prstGeom>
+        </p:spPr>
+      </p:pic>
+      <p:sp>
+        <p:nvSpPr>
+          <p:cNvPr id="6" name="TextBox 5">
+            <a:extLst>
+              <a:ext uri="{FF2B5EF4-FFF2-40B4-BE49-F238E27FC236}">
+                <a16:creationId xmlns:a16="http://schemas.microsoft.com/office/drawing/2014/main" id="{04B83FDE-0377-C50D-9158-E06BA0BE23BB}"/>
+              </a:ext>
+            </a:extLst>
+          </p:cNvPr>
+          <p:cNvSpPr txBox="1"/>
+          <p:nvPr/>
+        </p:nvSpPr>
+        <p:spPr>
+          <a:xfrm>
+            <a:off x="667872" y="3429000"/>
+            <a:ext cx="8413375" cy="2862322"/>
+          </a:xfrm>
+          <a:prstGeom prst="rect">
+            <a:avLst/>
+          </a:prstGeom>
+          <a:noFill/>
+        </p:spPr>
+        <p:txBody>
+          <a:bodyPr wrap="square" rtlCol="0">
+            <a:spAutoFit/>
+          </a:bodyPr>
+          <a:lstStyle/>
+          <a:p>
+            <a:endParaRPr lang="en-IN" dirty="0"/>
+          </a:p>
+          <a:p>
+            <a:pPr marL="285750" indent="-285750">
+              <a:buFont typeface="Arial" panose="020B0604020202020204" pitchFamily="34" charset="0"/>
+              <a:buChar char="•"/>
+            </a:pPr>
+            <a:r>
+              <a:rPr lang="en-IN" dirty="0"/>
+              <a:t>Play , 		It will play the song</a:t>
+            </a:r>
+          </a:p>
+          <a:p>
+            <a:pPr marL="285750" indent="-285750">
+              <a:buFont typeface="Arial" panose="020B0604020202020204" pitchFamily="34" charset="0"/>
+              <a:buChar char="•"/>
+            </a:pPr>
+            <a:r>
+              <a:rPr lang="en-IN" dirty="0"/>
+              <a:t>Stop, 		It will stop the current playing song and set the sample length to 0 (it will 				reset the song to 0 potion)</a:t>
+            </a:r>
+          </a:p>
+          <a:p>
+            <a:pPr marL="285750" indent="-285750">
+              <a:buFont typeface="Arial" panose="020B0604020202020204" pitchFamily="34" charset="0"/>
+              <a:buChar char="•"/>
+            </a:pPr>
+            <a:r>
+              <a:rPr lang="en-IN" dirty="0"/>
+              <a:t>Pause, I	t will stop the song at the potion where you paused</a:t>
+            </a:r>
+          </a:p>
+          <a:p>
+            <a:pPr marL="285750" indent="-285750">
+              <a:buFont typeface="Arial" panose="020B0604020202020204" pitchFamily="34" charset="0"/>
+              <a:buChar char="•"/>
+            </a:pPr>
+            <a:r>
+              <a:rPr lang="en-IN" dirty="0"/>
+              <a:t>Resume, 	it will resume the song if we pause it,</a:t>
+            </a:r>
+          </a:p>
+          <a:p>
+            <a:pPr marL="285750" indent="-285750">
+              <a:buFont typeface="Arial" panose="020B0604020202020204" pitchFamily="34" charset="0"/>
+              <a:buChar char="•"/>
+            </a:pPr>
+            <a:r>
+              <a:rPr lang="en-IN" dirty="0"/>
+              <a:t>Restart ,  	if we stop a song it will close the clip, what if we want to paly the stopped 			song …!  Here comes restart ,which  it will reopen the stopped song.</a:t>
+            </a:r>
+          </a:p>
+          <a:p>
+            <a:pPr marL="285750" indent="-285750">
+              <a:buFont typeface="Arial" panose="020B0604020202020204" pitchFamily="34" charset="0"/>
+              <a:buChar char="•"/>
+            </a:pPr>
+            <a:r>
+              <a:rPr lang="en-IN" dirty="0"/>
+              <a:t>Loop,		It will replay the current playing song in a loop</a:t>
+            </a:r>
+          </a:p>
+          <a:p>
+            <a:endParaRPr lang="en-IN" dirty="0"/>
+          </a:p>
+        </p:txBody>
+      </p:sp>
+      <p:sp>
+        <p:nvSpPr>
+          <p:cNvPr id="8" name="TextBox 7">
+            <a:extLst>
+              <a:ext uri="{FF2B5EF4-FFF2-40B4-BE49-F238E27FC236}">
+                <a16:creationId xmlns:a16="http://schemas.microsoft.com/office/drawing/2014/main" id="{569DEC6A-4212-24D5-9DA8-79B8DDB3DBF7}"/>
+              </a:ext>
+            </a:extLst>
+          </p:cNvPr>
+          <p:cNvSpPr txBox="1"/>
+          <p:nvPr/>
+        </p:nvSpPr>
+        <p:spPr>
+          <a:xfrm>
+            <a:off x="569259" y="1994249"/>
+            <a:ext cx="7767917" cy="1200329"/>
+          </a:xfrm>
+          <a:prstGeom prst="rect">
+            <a:avLst/>
+          </a:prstGeom>
+          <a:noFill/>
+        </p:spPr>
+        <p:txBody>
+          <a:bodyPr wrap="square">
+            <a:spAutoFit/>
+          </a:bodyPr>
+          <a:lstStyle/>
+          <a:p>
+            <a:r>
+              <a:rPr lang="en-US" dirty="0"/>
+              <a:t>This digital Console is where the </a:t>
+            </a:r>
+          </a:p>
+          <a:p>
+            <a:r>
+              <a:rPr lang="en-US" dirty="0"/>
+              <a:t>play, pause, resume, Stop, Restart , Loop and</a:t>
+            </a:r>
+          </a:p>
+          <a:p>
+            <a:r>
+              <a:rPr lang="en-US" dirty="0"/>
+              <a:t> Nest process are been cared over to enhance the user experience for lessoning the song As the terms  shown it will do the needs as respect like,</a:t>
+            </a:r>
+          </a:p>
+        </p:txBody>
+      </p:sp>
+      <p:grpSp>
+        <p:nvGrpSpPr>
+          <p:cNvPr id="9" name="Group 8">
+            <a:extLst>
+              <a:ext uri="{FF2B5EF4-FFF2-40B4-BE49-F238E27FC236}">
+                <a16:creationId xmlns:a16="http://schemas.microsoft.com/office/drawing/2014/main" id="{5E472CC5-6D8D-6D80-E4E0-52436FBF87C3}"/>
+              </a:ext>
+            </a:extLst>
+          </p:cNvPr>
+          <p:cNvGrpSpPr/>
+          <p:nvPr/>
+        </p:nvGrpSpPr>
+        <p:grpSpPr>
+          <a:xfrm>
+            <a:off x="10352133" y="5522259"/>
+            <a:ext cx="2117772" cy="1335741"/>
+            <a:chOff x="9070181" y="4897808"/>
+            <a:chExt cx="3138067" cy="1960192"/>
+          </a:xfrm>
+        </p:grpSpPr>
+        <p:pic>
+          <p:nvPicPr>
+            <p:cNvPr id="10" name="Picture 9">
+              <a:extLst>
+                <a:ext uri="{FF2B5EF4-FFF2-40B4-BE49-F238E27FC236}">
+                  <a16:creationId xmlns:a16="http://schemas.microsoft.com/office/drawing/2014/main" id="{21CBBCB5-FD84-B27C-B659-E25CA3EE2C9F}"/>
+                </a:ext>
+              </a:extLst>
+            </p:cNvPr>
+            <p:cNvPicPr>
+              <a:picLocks noChangeAspect="1"/>
+            </p:cNvPicPr>
+            <p:nvPr/>
+          </p:nvPicPr>
+          <p:blipFill>
+            <a:blip r:embed="rId3">
+              <a:extLst>
+                <a:ext uri="{28A0092B-C50C-407E-A947-70E740481C1C}">
+                  <a14:useLocalDpi xmlns:a14="http://schemas.microsoft.com/office/drawing/2010/main" val="0"/>
+                </a:ext>
+              </a:extLst>
+            </a:blip>
+            <a:stretch>
+              <a:fillRect/>
+            </a:stretch>
+          </p:blipFill>
+          <p:spPr>
+            <a:xfrm>
+              <a:off x="10248056" y="4897808"/>
+              <a:ext cx="1960192" cy="1960192"/>
+            </a:xfrm>
+            <a:prstGeom prst="rect">
+              <a:avLst/>
+            </a:prstGeom>
+          </p:spPr>
+        </p:pic>
+        <p:pic>
+          <p:nvPicPr>
+            <p:cNvPr id="11" name="Picture 10">
+              <a:extLst>
+                <a:ext uri="{FF2B5EF4-FFF2-40B4-BE49-F238E27FC236}">
+                  <a16:creationId xmlns:a16="http://schemas.microsoft.com/office/drawing/2014/main" id="{049A74B2-A827-4EAA-86C3-0060AF2E628E}"/>
+                </a:ext>
+              </a:extLst>
+            </p:cNvPr>
+            <p:cNvPicPr>
+              <a:picLocks noChangeAspect="1"/>
+            </p:cNvPicPr>
+            <p:nvPr/>
+          </p:nvPicPr>
+          <p:blipFill>
+            <a:blip r:embed="rId4">
+              <a:extLst>
+                <a:ext uri="{28A0092B-C50C-407E-A947-70E740481C1C}">
+                  <a14:useLocalDpi xmlns:a14="http://schemas.microsoft.com/office/drawing/2010/main" val="0"/>
+                </a:ext>
+              </a:extLst>
+            </a:blip>
+            <a:stretch>
+              <a:fillRect/>
+            </a:stretch>
+          </p:blipFill>
+          <p:spPr>
+            <a:xfrm>
+              <a:off x="9070181" y="5109882"/>
+              <a:ext cx="1550054" cy="1550054"/>
+            </a:xfrm>
+            <a:prstGeom prst="rect">
+              <a:avLst/>
+            </a:prstGeom>
+          </p:spPr>
+        </p:pic>
+      </p:grpSp>
+    </p:spTree>
+    <p:extLst>
+      <p:ext uri="{BB962C8B-B14F-4D97-AF65-F5344CB8AC3E}">
+        <p14:creationId xmlns:p14="http://schemas.microsoft.com/office/powerpoint/2010/main" val="2561309718"/>
+      </p:ext>
+    </p:extLst>
+  </p:cSld>
+  <p:clrMapOvr>
+    <a:masterClrMapping/>
+  </p:clrMapOvr>
+</p:sld>
+</file>
+
+<file path=ppt/slides/slide15.xml><?xml version="1.0" encoding="utf-8"?>
+<p:sld xmlns:a="http://schemas.openxmlformats.org/drawingml/2006/main" xmlns:r="http://schemas.openxmlformats.org/officeDocument/2006/relationships" xmlns:p="http://schemas.openxmlformats.org/presentationml/2006/main">
+  <p:cSld>
+    <p:spTree>
+      <p:nvGrpSpPr>
+        <p:cNvPr id="1" name=""/>
+        <p:cNvGrpSpPr/>
+        <p:nvPr/>
+      </p:nvGrpSpPr>
+      <p:grpSpPr>
+        <a:xfrm>
+          <a:off x="0" y="0"/>
+          <a:ext cx="0" cy="0"/>
+          <a:chOff x="0" y="0"/>
+          <a:chExt cx="0" cy="0"/>
+        </a:xfrm>
+      </p:grpSpPr>
+      <p:sp>
+        <p:nvSpPr>
+          <p:cNvPr id="2" name="Title 1">
+            <a:extLst>
+              <a:ext uri="{FF2B5EF4-FFF2-40B4-BE49-F238E27FC236}">
+                <a16:creationId xmlns:a16="http://schemas.microsoft.com/office/drawing/2014/main" id="{3DE571F8-802B-5158-99B9-892B6D1CA0E8}"/>
+              </a:ext>
+            </a:extLst>
+          </p:cNvPr>
+          <p:cNvSpPr>
+            <a:spLocks noGrp="1"/>
+          </p:cNvSpPr>
+          <p:nvPr>
+            <p:ph type="title"/>
+          </p:nvPr>
+        </p:nvSpPr>
+        <p:spPr>
+          <a:xfrm>
+            <a:off x="743746" y="273770"/>
+            <a:ext cx="10131425" cy="1456267"/>
+          </a:xfrm>
+        </p:spPr>
+        <p:txBody>
+          <a:bodyPr/>
+          <a:lstStyle/>
+          <a:p>
+            <a:pPr algn="ctr"/>
+            <a:r>
+              <a:rPr lang="en-US" dirty="0"/>
+              <a:t>Exiting the Jukebox</a:t>
+            </a:r>
+          </a:p>
+        </p:txBody>
+      </p:sp>
+      <p:pic>
+        <p:nvPicPr>
+          <p:cNvPr id="5" name="Picture 4">
+            <a:extLst>
+              <a:ext uri="{FF2B5EF4-FFF2-40B4-BE49-F238E27FC236}">
+                <a16:creationId xmlns:a16="http://schemas.microsoft.com/office/drawing/2014/main" id="{12B8FDD8-416B-7663-6DF7-206C2A602BEB}"/>
+              </a:ext>
+            </a:extLst>
+          </p:cNvPr>
+          <p:cNvPicPr>
+            <a:picLocks noChangeAspect="1"/>
+          </p:cNvPicPr>
+          <p:nvPr/>
+        </p:nvPicPr>
+        <p:blipFill>
+          <a:blip r:embed="rId2"/>
+          <a:stretch>
+            <a:fillRect/>
+          </a:stretch>
+        </p:blipFill>
+        <p:spPr>
+          <a:xfrm>
+            <a:off x="1778987" y="2238795"/>
+            <a:ext cx="8634026" cy="2380409"/>
+          </a:xfrm>
+          <a:prstGeom prst="rect">
+            <a:avLst/>
+          </a:prstGeom>
+        </p:spPr>
+      </p:pic>
+      <p:grpSp>
+        <p:nvGrpSpPr>
+          <p:cNvPr id="6" name="Group 5">
+            <a:extLst>
+              <a:ext uri="{FF2B5EF4-FFF2-40B4-BE49-F238E27FC236}">
+                <a16:creationId xmlns:a16="http://schemas.microsoft.com/office/drawing/2014/main" id="{8E6E11E4-8437-4A32-A61C-3A70F04D1F75}"/>
+              </a:ext>
+            </a:extLst>
+          </p:cNvPr>
+          <p:cNvGrpSpPr/>
+          <p:nvPr/>
+        </p:nvGrpSpPr>
+        <p:grpSpPr>
+          <a:xfrm>
+            <a:off x="9646296" y="5056095"/>
+            <a:ext cx="3027422" cy="1909482"/>
+            <a:chOff x="9070181" y="4897808"/>
+            <a:chExt cx="3138067" cy="1960192"/>
+          </a:xfrm>
+        </p:grpSpPr>
+        <p:pic>
+          <p:nvPicPr>
+            <p:cNvPr id="7" name="Picture 6">
+              <a:extLst>
+                <a:ext uri="{FF2B5EF4-FFF2-40B4-BE49-F238E27FC236}">
+                  <a16:creationId xmlns:a16="http://schemas.microsoft.com/office/drawing/2014/main" id="{A04FF31B-13BC-A759-1330-162DC40B91FC}"/>
+                </a:ext>
+              </a:extLst>
+            </p:cNvPr>
+            <p:cNvPicPr>
+              <a:picLocks noChangeAspect="1"/>
+            </p:cNvPicPr>
+            <p:nvPr/>
+          </p:nvPicPr>
+          <p:blipFill>
+            <a:blip r:embed="rId3">
+              <a:extLst>
+                <a:ext uri="{28A0092B-C50C-407E-A947-70E740481C1C}">
+                  <a14:useLocalDpi xmlns:a14="http://schemas.microsoft.com/office/drawing/2010/main" val="0"/>
+                </a:ext>
+              </a:extLst>
+            </a:blip>
+            <a:stretch>
+              <a:fillRect/>
+            </a:stretch>
+          </p:blipFill>
+          <p:spPr>
+            <a:xfrm>
+              <a:off x="10248056" y="4897808"/>
+              <a:ext cx="1960192" cy="1960192"/>
+            </a:xfrm>
+            <a:prstGeom prst="rect">
+              <a:avLst/>
+            </a:prstGeom>
+          </p:spPr>
+        </p:pic>
+        <p:pic>
+          <p:nvPicPr>
+            <p:cNvPr id="8" name="Picture 7">
+              <a:extLst>
+                <a:ext uri="{FF2B5EF4-FFF2-40B4-BE49-F238E27FC236}">
+                  <a16:creationId xmlns:a16="http://schemas.microsoft.com/office/drawing/2014/main" id="{8267934C-FD36-448D-A4AF-6AC6AE7B8CC3}"/>
+                </a:ext>
+              </a:extLst>
+            </p:cNvPr>
+            <p:cNvPicPr>
+              <a:picLocks noChangeAspect="1"/>
+            </p:cNvPicPr>
+            <p:nvPr/>
+          </p:nvPicPr>
+          <p:blipFill>
+            <a:blip r:embed="rId4">
+              <a:extLst>
+                <a:ext uri="{28A0092B-C50C-407E-A947-70E740481C1C}">
+                  <a14:useLocalDpi xmlns:a14="http://schemas.microsoft.com/office/drawing/2010/main" val="0"/>
+                </a:ext>
+              </a:extLst>
+            </a:blip>
+            <a:stretch>
+              <a:fillRect/>
+            </a:stretch>
+          </p:blipFill>
+          <p:spPr>
+            <a:xfrm>
+              <a:off x="9070181" y="5109882"/>
+              <a:ext cx="1550054" cy="1550054"/>
+            </a:xfrm>
+            <a:prstGeom prst="rect">
+              <a:avLst/>
+            </a:prstGeom>
+          </p:spPr>
+        </p:pic>
+      </p:grpSp>
+    </p:spTree>
+    <p:extLst>
+      <p:ext uri="{BB962C8B-B14F-4D97-AF65-F5344CB8AC3E}">
+        <p14:creationId xmlns:p14="http://schemas.microsoft.com/office/powerpoint/2010/main" val="3957201428"/>
+      </p:ext>
+    </p:extLst>
+  </p:cSld>
+  <p:clrMapOvr>
+    <a:masterClrMapping/>
+  </p:clrMapOvr>
+</p:sld>
+</file>
+
+<file path=ppt/slides/slide16.xml><?xml version="1.0" encoding="utf-8"?>
+<p:sld xmlns:a="http://schemas.openxmlformats.org/drawingml/2006/main" xmlns:r="http://schemas.openxmlformats.org/officeDocument/2006/relationships" xmlns:p="http://schemas.openxmlformats.org/presentationml/2006/main">
+  <p:cSld>
+    <p:spTree>
+      <p:nvGrpSpPr>
+        <p:cNvPr id="1" name=""/>
+        <p:cNvGrpSpPr/>
+        <p:nvPr/>
+      </p:nvGrpSpPr>
+      <p:grpSpPr>
+        <a:xfrm>
+          <a:off x="0" y="0"/>
+          <a:ext cx="0" cy="0"/>
+          <a:chOff x="0" y="0"/>
+          <a:chExt cx="0" cy="0"/>
+        </a:xfrm>
+      </p:grpSpPr>
+      <p:sp>
+        <p:nvSpPr>
+          <p:cNvPr id="2" name="Title 1">
+            <a:extLst>
+              <a:ext uri="{FF2B5EF4-FFF2-40B4-BE49-F238E27FC236}">
+                <a16:creationId xmlns:a16="http://schemas.microsoft.com/office/drawing/2014/main" id="{35E65E6B-F2FF-AEDD-ED20-909DF07AECAB}"/>
+              </a:ext>
+            </a:extLst>
+          </p:cNvPr>
+          <p:cNvSpPr>
+            <a:spLocks noGrp="1"/>
+          </p:cNvSpPr>
+          <p:nvPr>
+            <p:ph type="title"/>
+          </p:nvPr>
+        </p:nvSpPr>
+        <p:spPr>
+          <a:xfrm>
+            <a:off x="658907" y="1062318"/>
+            <a:ext cx="10131425" cy="2366682"/>
+          </a:xfrm>
+        </p:spPr>
+        <p:txBody>
+          <a:bodyPr>
+            <a:normAutofit/>
+          </a:bodyPr>
+          <a:lstStyle/>
+          <a:p>
+            <a:pPr algn="ctr"/>
+            <a:r>
+              <a:rPr lang="en-IN" sz="9600" dirty="0"/>
+              <a:t>Thank you</a:t>
+            </a:r>
+            <a:endParaRPr lang="en-US" sz="9600" dirty="0"/>
+          </a:p>
+        </p:txBody>
+      </p:sp>
+      <p:grpSp>
+        <p:nvGrpSpPr>
+          <p:cNvPr id="4" name="Group 3">
+            <a:extLst>
+              <a:ext uri="{FF2B5EF4-FFF2-40B4-BE49-F238E27FC236}">
+                <a16:creationId xmlns:a16="http://schemas.microsoft.com/office/drawing/2014/main" id="{B7E9DB2F-6AA6-196C-9B6B-5ECA8C1948A5}"/>
+              </a:ext>
+            </a:extLst>
+          </p:cNvPr>
+          <p:cNvGrpSpPr/>
+          <p:nvPr/>
+        </p:nvGrpSpPr>
+        <p:grpSpPr>
+          <a:xfrm>
+            <a:off x="4150659" y="3134347"/>
+            <a:ext cx="3890682" cy="2453966"/>
+            <a:chOff x="9070181" y="4897808"/>
+            <a:chExt cx="3138067" cy="1960192"/>
+          </a:xfrm>
+        </p:grpSpPr>
+        <p:pic>
+          <p:nvPicPr>
+            <p:cNvPr id="5" name="Picture 4">
+              <a:extLst>
+                <a:ext uri="{FF2B5EF4-FFF2-40B4-BE49-F238E27FC236}">
+                  <a16:creationId xmlns:a16="http://schemas.microsoft.com/office/drawing/2014/main" id="{441BADD9-7D19-9C23-DDBD-3D72CC88C527}"/>
+                </a:ext>
+              </a:extLst>
+            </p:cNvPr>
+            <p:cNvPicPr>
+              <a:picLocks noChangeAspect="1"/>
+            </p:cNvPicPr>
+            <p:nvPr/>
+          </p:nvPicPr>
+          <p:blipFill>
+            <a:blip r:embed="rId2">
+              <a:extLst>
+                <a:ext uri="{28A0092B-C50C-407E-A947-70E740481C1C}">
+                  <a14:useLocalDpi xmlns:a14="http://schemas.microsoft.com/office/drawing/2010/main" val="0"/>
+                </a:ext>
+              </a:extLst>
+            </a:blip>
+            <a:stretch>
+              <a:fillRect/>
+            </a:stretch>
+          </p:blipFill>
+          <p:spPr>
+            <a:xfrm>
+              <a:off x="10248056" y="4897808"/>
+              <a:ext cx="1960192" cy="1960192"/>
+            </a:xfrm>
+            <a:prstGeom prst="rect">
+              <a:avLst/>
+            </a:prstGeom>
+          </p:spPr>
+        </p:pic>
+        <p:pic>
+          <p:nvPicPr>
+            <p:cNvPr id="6" name="Picture 5">
+              <a:extLst>
+                <a:ext uri="{FF2B5EF4-FFF2-40B4-BE49-F238E27FC236}">
+                  <a16:creationId xmlns:a16="http://schemas.microsoft.com/office/drawing/2014/main" id="{CAA4A91D-0668-A81A-6463-9DB284262A1A}"/>
+                </a:ext>
+              </a:extLst>
+            </p:cNvPr>
+            <p:cNvPicPr>
+              <a:picLocks noChangeAspect="1"/>
+            </p:cNvPicPr>
+            <p:nvPr/>
+          </p:nvPicPr>
+          <p:blipFill>
+            <a:blip r:embed="rId3">
+              <a:extLst>
+                <a:ext uri="{28A0092B-C50C-407E-A947-70E740481C1C}">
+                  <a14:useLocalDpi xmlns:a14="http://schemas.microsoft.com/office/drawing/2010/main" val="0"/>
+                </a:ext>
+              </a:extLst>
+            </a:blip>
+            <a:stretch>
+              <a:fillRect/>
+            </a:stretch>
+          </p:blipFill>
+          <p:spPr>
+            <a:xfrm>
+              <a:off x="9070181" y="5109882"/>
+              <a:ext cx="1550054" cy="1550054"/>
+            </a:xfrm>
+            <a:prstGeom prst="rect">
+              <a:avLst/>
+            </a:prstGeom>
+          </p:spPr>
+        </p:pic>
+      </p:grpSp>
+    </p:spTree>
+    <p:extLst>
+      <p:ext uri="{BB962C8B-B14F-4D97-AF65-F5344CB8AC3E}">
+        <p14:creationId xmlns:p14="http://schemas.microsoft.com/office/powerpoint/2010/main" val="3067831243"/>
+      </p:ext>
+    </p:extLst>
+  </p:cSld>
+  <p:clrMapOvr>
+    <a:masterClrMapping/>
+  </p:clrMapOvr>
+</p:sld>
+</file>
+
 <file path=ppt/slides/slide2.xml><?xml version="1.0" encoding="utf-8"?>
 <p:sld xmlns:a="http://schemas.openxmlformats.org/drawingml/2006/main" xmlns:r="http://schemas.openxmlformats.org/officeDocument/2006/relationships" xmlns:p="http://schemas.openxmlformats.org/presentationml/2006/main">
   <p:cSld>
@@ -9438,10 +11240,10 @@
       </p:sp>
       <p:grpSp>
         <p:nvGrpSpPr>
-          <p:cNvPr id="3" name="Group 2">
+          <p:cNvPr id="8" name="Group 7">
             <a:extLst>
               <a:ext uri="{FF2B5EF4-FFF2-40B4-BE49-F238E27FC236}">
-                <a16:creationId xmlns:a16="http://schemas.microsoft.com/office/drawing/2014/main" id="{451DE177-3858-6435-8A26-BCB9A783365B}"/>
+                <a16:creationId xmlns:a16="http://schemas.microsoft.com/office/drawing/2014/main" id="{0775B748-20FA-88CB-097E-3D0AA754FE6E}"/>
               </a:ext>
             </a:extLst>
           </p:cNvPr>
@@ -9450,7 +11252,7 @@
         </p:nvGrpSpPr>
         <p:grpSpPr>
           <a:xfrm>
-            <a:off x="10291541" y="62753"/>
+            <a:off x="10074228" y="5522259"/>
             <a:ext cx="2117772" cy="1335741"/>
             <a:chOff x="9070181" y="4897808"/>
             <a:chExt cx="3138067" cy="1960192"/>
@@ -9458,10 +11260,10 @@
         </p:grpSpPr>
         <p:pic>
           <p:nvPicPr>
-            <p:cNvPr id="6" name="Picture 5">
+            <p:cNvPr id="9" name="Picture 8">
               <a:extLst>
                 <a:ext uri="{FF2B5EF4-FFF2-40B4-BE49-F238E27FC236}">
-                  <a16:creationId xmlns:a16="http://schemas.microsoft.com/office/drawing/2014/main" id="{B818A31B-176B-DF2F-D2EF-BB3AFFCFA5BE}"/>
+                  <a16:creationId xmlns:a16="http://schemas.microsoft.com/office/drawing/2014/main" id="{2FEBB08E-F861-99CA-DD03-F37FBC55F744}"/>
                 </a:ext>
               </a:extLst>
             </p:cNvPr>
@@ -9494,10 +11296,10 @@
         </p:pic>
         <p:pic>
           <p:nvPicPr>
-            <p:cNvPr id="7" name="Picture 6">
+            <p:cNvPr id="10" name="Picture 9">
               <a:extLst>
                 <a:ext uri="{FF2B5EF4-FFF2-40B4-BE49-F238E27FC236}">
-                  <a16:creationId xmlns:a16="http://schemas.microsoft.com/office/drawing/2014/main" id="{DD2A2867-C135-1FAC-B056-7CA87074E59E}"/>
+                  <a16:creationId xmlns:a16="http://schemas.microsoft.com/office/drawing/2014/main" id="{4F753FD5-F009-41CB-A03F-4CC17B466FEA}"/>
                 </a:ext>
               </a:extLst>
             </p:cNvPr>
@@ -9564,7 +11366,7 @@
           <p:cNvPr id="2" name="Title 1">
             <a:extLst>
               <a:ext uri="{FF2B5EF4-FFF2-40B4-BE49-F238E27FC236}">
-                <a16:creationId xmlns:a16="http://schemas.microsoft.com/office/drawing/2014/main" id="{04B869C2-E220-3AF1-E101-0954D286903F}"/>
+                <a16:creationId xmlns:a16="http://schemas.microsoft.com/office/drawing/2014/main" id="{2680F82F-73E6-15B9-E50E-34EC47888758}"/>
               </a:ext>
             </a:extLst>
           </p:cNvPr>
@@ -9575,44 +11377,187 @@
             <p:ph type="title"/>
           </p:nvPr>
         </p:nvSpPr>
-        <p:spPr/>
-        <p:txBody>
-          <a:bodyPr/>
+        <p:spPr>
+          <a:xfrm>
+            <a:off x="685800" y="170329"/>
+            <a:ext cx="2989729" cy="1456267"/>
+          </a:xfrm>
+        </p:spPr>
+        <p:txBody>
+          <a:bodyPr>
+            <a:normAutofit/>
+          </a:bodyPr>
           <a:lstStyle/>
           <a:p>
-            <a:endParaRPr lang="en-US"/>
-          </a:p>
-        </p:txBody>
-      </p:sp>
-      <p:sp>
-        <p:nvSpPr>
-          <p:cNvPr id="3" name="Content Placeholder 2">
+            <a:r>
+              <a:rPr lang="en-US" sz="4000" dirty="0"/>
+              <a:t>Table view</a:t>
+            </a:r>
+          </a:p>
+        </p:txBody>
+      </p:sp>
+      <p:sp>
+        <p:nvSpPr>
+          <p:cNvPr id="4" name="TextBox 3">
             <a:extLst>
               <a:ext uri="{FF2B5EF4-FFF2-40B4-BE49-F238E27FC236}">
-                <a16:creationId xmlns:a16="http://schemas.microsoft.com/office/drawing/2014/main" id="{3CA79DCB-D316-CFBA-6B32-38237CB64F7D}"/>
+                <a16:creationId xmlns:a16="http://schemas.microsoft.com/office/drawing/2014/main" id="{D7A40C3F-AEA7-D18C-B639-BADA5498F87A}"/>
               </a:ext>
             </a:extLst>
           </p:cNvPr>
-          <p:cNvSpPr>
-            <a:spLocks noGrp="1"/>
-          </p:cNvSpPr>
-          <p:nvPr>
-            <p:ph idx="1"/>
-          </p:nvPr>
-        </p:nvSpPr>
-        <p:spPr/>
-        <p:txBody>
-          <a:bodyPr/>
+          <p:cNvSpPr txBox="1"/>
+          <p:nvPr/>
+        </p:nvSpPr>
+        <p:spPr>
+          <a:xfrm>
+            <a:off x="2321858" y="1226486"/>
+            <a:ext cx="4276165" cy="400110"/>
+          </a:xfrm>
+          <a:prstGeom prst="rect">
+            <a:avLst/>
+          </a:prstGeom>
+          <a:noFill/>
+        </p:spPr>
+        <p:txBody>
+          <a:bodyPr wrap="square" rtlCol="0">
+            <a:spAutoFit/>
+          </a:bodyPr>
           <a:lstStyle/>
           <a:p>
-            <a:endParaRPr lang="en-US"/>
-          </a:p>
-        </p:txBody>
-      </p:sp>
+            <a:r>
+              <a:rPr lang="en-US" sz="2000" dirty="0"/>
+              <a:t>Table view is based in Format method</a:t>
+            </a:r>
+          </a:p>
+        </p:txBody>
+      </p:sp>
+      <p:pic>
+        <p:nvPicPr>
+          <p:cNvPr id="6" name="Picture 5">
+            <a:extLst>
+              <a:ext uri="{FF2B5EF4-FFF2-40B4-BE49-F238E27FC236}">
+                <a16:creationId xmlns:a16="http://schemas.microsoft.com/office/drawing/2014/main" id="{DA03A825-B7E2-A9A7-8997-F5F7EC56E7F0}"/>
+              </a:ext>
+            </a:extLst>
+          </p:cNvPr>
+          <p:cNvPicPr>
+            <a:picLocks noChangeAspect="1"/>
+          </p:cNvPicPr>
+          <p:nvPr/>
+        </p:nvPicPr>
+        <p:blipFill>
+          <a:blip r:embed="rId2"/>
+          <a:stretch>
+            <a:fillRect/>
+          </a:stretch>
+        </p:blipFill>
+        <p:spPr>
+          <a:xfrm>
+            <a:off x="1519237" y="2298606"/>
+            <a:ext cx="9153525" cy="2924175"/>
+          </a:xfrm>
+          <a:prstGeom prst="rect">
+            <a:avLst/>
+          </a:prstGeom>
+        </p:spPr>
+      </p:pic>
+      <p:grpSp>
+        <p:nvGrpSpPr>
+          <p:cNvPr id="7" name="Group 6">
+            <a:extLst>
+              <a:ext uri="{FF2B5EF4-FFF2-40B4-BE49-F238E27FC236}">
+                <a16:creationId xmlns:a16="http://schemas.microsoft.com/office/drawing/2014/main" id="{FB500D86-97AE-E444-3F7D-96308F41E3D4}"/>
+              </a:ext>
+            </a:extLst>
+          </p:cNvPr>
+          <p:cNvGrpSpPr/>
+          <p:nvPr/>
+        </p:nvGrpSpPr>
+        <p:grpSpPr>
+          <a:xfrm>
+            <a:off x="10074228" y="5522259"/>
+            <a:ext cx="2117772" cy="1335741"/>
+            <a:chOff x="9070181" y="4897808"/>
+            <a:chExt cx="3138067" cy="1960192"/>
+          </a:xfrm>
+        </p:grpSpPr>
+        <p:pic>
+          <p:nvPicPr>
+            <p:cNvPr id="8" name="Picture 7">
+              <a:extLst>
+                <a:ext uri="{FF2B5EF4-FFF2-40B4-BE49-F238E27FC236}">
+                  <a16:creationId xmlns:a16="http://schemas.microsoft.com/office/drawing/2014/main" id="{01BE812C-B54A-A382-F1AB-87D510989563}"/>
+                </a:ext>
+              </a:extLst>
+            </p:cNvPr>
+            <p:cNvPicPr>
+              <a:picLocks noChangeAspect="1"/>
+            </p:cNvPicPr>
+            <p:nvPr/>
+          </p:nvPicPr>
+          <p:blipFill>
+            <a:blip r:embed="rId3">
+              <a:extLst>
+                <a:ext uri="{28A0092B-C50C-407E-A947-70E740481C1C}">
+                  <a14:useLocalDpi xmlns:a14="http://schemas.microsoft.com/office/drawing/2010/main" val="0"/>
+                </a:ext>
+              </a:extLst>
+            </a:blip>
+            <a:stretch>
+              <a:fillRect/>
+            </a:stretch>
+          </p:blipFill>
+          <p:spPr>
+            <a:xfrm>
+              <a:off x="10248056" y="4897808"/>
+              <a:ext cx="1960192" cy="1960192"/>
+            </a:xfrm>
+            <a:prstGeom prst="rect">
+              <a:avLst/>
+            </a:prstGeom>
+          </p:spPr>
+        </p:pic>
+        <p:pic>
+          <p:nvPicPr>
+            <p:cNvPr id="9" name="Picture 8">
+              <a:extLst>
+                <a:ext uri="{FF2B5EF4-FFF2-40B4-BE49-F238E27FC236}">
+                  <a16:creationId xmlns:a16="http://schemas.microsoft.com/office/drawing/2014/main" id="{C149D14D-374C-1CE9-1C86-826C629943F1}"/>
+                </a:ext>
+              </a:extLst>
+            </p:cNvPr>
+            <p:cNvPicPr>
+              <a:picLocks noChangeAspect="1"/>
+            </p:cNvPicPr>
+            <p:nvPr/>
+          </p:nvPicPr>
+          <p:blipFill>
+            <a:blip r:embed="rId4">
+              <a:extLst>
+                <a:ext uri="{28A0092B-C50C-407E-A947-70E740481C1C}">
+                  <a14:useLocalDpi xmlns:a14="http://schemas.microsoft.com/office/drawing/2010/main" val="0"/>
+                </a:ext>
+              </a:extLst>
+            </a:blip>
+            <a:stretch>
+              <a:fillRect/>
+            </a:stretch>
+          </p:blipFill>
+          <p:spPr>
+            <a:xfrm>
+              <a:off x="9070181" y="5109882"/>
+              <a:ext cx="1550054" cy="1550054"/>
+            </a:xfrm>
+            <a:prstGeom prst="rect">
+              <a:avLst/>
+            </a:prstGeom>
+          </p:spPr>
+        </p:pic>
+      </p:grpSp>
     </p:spTree>
     <p:extLst>
       <p:ext uri="{BB962C8B-B14F-4D97-AF65-F5344CB8AC3E}">
-        <p14:creationId xmlns:p14="http://schemas.microsoft.com/office/powerpoint/2010/main" val="877879628"/>
+        <p14:creationId xmlns:p14="http://schemas.microsoft.com/office/powerpoint/2010/main" val="3400929043"/>
       </p:ext>
     </p:extLst>
   </p:cSld>

--- a/lib/Welcome to Jukebox.pptx
+++ b/lib/Welcome to Jukebox.pptx
@@ -212,7 +212,7 @@
           <a:p>
             <a:fld id="{FA9E033D-C5EC-4EE5-ADA2-8DD33F63F871}" type="datetimeFigureOut">
               <a:rPr lang="en-US" smtClean="0"/>
-              <a:t>29/11/2022</a:t>
+              <a:t>01/12/2022</a:t>
             </a:fld>
             <a:endParaRPr lang="en-US"/>
           </a:p>
@@ -703,7 +703,7 @@
           <a:p>
             <a:fld id="{6A861F7F-8477-407D-AFF9-DBEBB6A1FAB2}" type="datetimeFigureOut">
               <a:rPr lang="en-US" smtClean="0"/>
-              <a:t>29/11/2022</a:t>
+              <a:t>01/12/2022</a:t>
             </a:fld>
             <a:endParaRPr lang="en-US"/>
           </a:p>
@@ -1037,7 +1037,7 @@
           <a:p>
             <a:fld id="{6A861F7F-8477-407D-AFF9-DBEBB6A1FAB2}" type="datetimeFigureOut">
               <a:rPr lang="en-US" smtClean="0"/>
-              <a:t>29/11/2022</a:t>
+              <a:t>01/12/2022</a:t>
             </a:fld>
             <a:endParaRPr lang="en-US"/>
           </a:p>
@@ -1315,7 +1315,7 @@
           <a:p>
             <a:fld id="{6A861F7F-8477-407D-AFF9-DBEBB6A1FAB2}" type="datetimeFigureOut">
               <a:rPr lang="en-US" smtClean="0"/>
-              <a:t>29/11/2022</a:t>
+              <a:t>01/12/2022</a:t>
             </a:fld>
             <a:endParaRPr lang="en-US"/>
           </a:p>
@@ -1883,7 +1883,7 @@
           <a:p>
             <a:fld id="{6A861F7F-8477-407D-AFF9-DBEBB6A1FAB2}" type="datetimeFigureOut">
               <a:rPr lang="en-US" smtClean="0"/>
-              <a:t>29/11/2022</a:t>
+              <a:t>01/12/2022</a:t>
             </a:fld>
             <a:endParaRPr lang="en-US"/>
           </a:p>
@@ -2161,7 +2161,7 @@
           <a:p>
             <a:fld id="{6A861F7F-8477-407D-AFF9-DBEBB6A1FAB2}" type="datetimeFigureOut">
               <a:rPr lang="en-US" smtClean="0"/>
-              <a:t>29/11/2022</a:t>
+              <a:t>01/12/2022</a:t>
             </a:fld>
             <a:endParaRPr lang="en-US"/>
           </a:p>
@@ -2723,7 +2723,7 @@
           <a:p>
             <a:fld id="{6A861F7F-8477-407D-AFF9-DBEBB6A1FAB2}" type="datetimeFigureOut">
               <a:rPr lang="en-US" smtClean="0"/>
-              <a:t>29/11/2022</a:t>
+              <a:t>01/12/2022</a:t>
             </a:fld>
             <a:endParaRPr lang="en-US"/>
           </a:p>
@@ -3050,7 +3050,7 @@
           <a:p>
             <a:fld id="{6A861F7F-8477-407D-AFF9-DBEBB6A1FAB2}" type="datetimeFigureOut">
               <a:rPr lang="en-US" smtClean="0"/>
-              <a:t>29/11/2022</a:t>
+              <a:t>01/12/2022</a:t>
             </a:fld>
             <a:endParaRPr lang="en-US"/>
           </a:p>
@@ -3227,7 +3227,7 @@
           <a:p>
             <a:fld id="{6A861F7F-8477-407D-AFF9-DBEBB6A1FAB2}" type="datetimeFigureOut">
               <a:rPr lang="en-US" smtClean="0"/>
-              <a:t>29/11/2022</a:t>
+              <a:t>01/12/2022</a:t>
             </a:fld>
             <a:endParaRPr lang="en-US"/>
           </a:p>
@@ -3465,7 +3465,7 @@
           <a:p>
             <a:fld id="{6A861F7F-8477-407D-AFF9-DBEBB6A1FAB2}" type="datetimeFigureOut">
               <a:rPr lang="en-US" smtClean="0"/>
-              <a:t>29/11/2022</a:t>
+              <a:t>01/12/2022</a:t>
             </a:fld>
             <a:endParaRPr lang="en-US"/>
           </a:p>
@@ -3665,7 +3665,7 @@
           <a:p>
             <a:fld id="{6A861F7F-8477-407D-AFF9-DBEBB6A1FAB2}" type="datetimeFigureOut">
               <a:rPr lang="en-US" smtClean="0"/>
-              <a:t>29/11/2022</a:t>
+              <a:t>01/12/2022</a:t>
             </a:fld>
             <a:endParaRPr lang="en-US"/>
           </a:p>
@@ -3941,7 +3941,7 @@
           <a:p>
             <a:fld id="{6A861F7F-8477-407D-AFF9-DBEBB6A1FAB2}" type="datetimeFigureOut">
               <a:rPr lang="en-US" smtClean="0"/>
-              <a:t>29/11/2022</a:t>
+              <a:t>01/12/2022</a:t>
             </a:fld>
             <a:endParaRPr lang="en-US"/>
           </a:p>
@@ -4207,7 +4207,7 @@
           <a:p>
             <a:fld id="{6A861F7F-8477-407D-AFF9-DBEBB6A1FAB2}" type="datetimeFigureOut">
               <a:rPr lang="en-US" smtClean="0"/>
-              <a:t>29/11/2022</a:t>
+              <a:t>01/12/2022</a:t>
             </a:fld>
             <a:endParaRPr lang="en-US"/>
           </a:p>
@@ -4581,7 +4581,7 @@
           <a:p>
             <a:fld id="{6A861F7F-8477-407D-AFF9-DBEBB6A1FAB2}" type="datetimeFigureOut">
               <a:rPr lang="en-US" smtClean="0"/>
-              <a:t>29/11/2022</a:t>
+              <a:t>01/12/2022</a:t>
             </a:fld>
             <a:endParaRPr lang="en-US"/>
           </a:p>
@@ -4729,7 +4729,7 @@
           <a:p>
             <a:fld id="{6A861F7F-8477-407D-AFF9-DBEBB6A1FAB2}" type="datetimeFigureOut">
               <a:rPr lang="en-US" smtClean="0"/>
-              <a:t>29/11/2022</a:t>
+              <a:t>01/12/2022</a:t>
             </a:fld>
             <a:endParaRPr lang="en-US"/>
           </a:p>
@@ -4854,7 +4854,7 @@
           <a:p>
             <a:fld id="{6A861F7F-8477-407D-AFF9-DBEBB6A1FAB2}" type="datetimeFigureOut">
               <a:rPr lang="en-US" smtClean="0"/>
-              <a:t>29/11/2022</a:t>
+              <a:t>01/12/2022</a:t>
             </a:fld>
             <a:endParaRPr lang="en-US"/>
           </a:p>
@@ -5139,7 +5139,7 @@
           <a:p>
             <a:fld id="{6A861F7F-8477-407D-AFF9-DBEBB6A1FAB2}" type="datetimeFigureOut">
               <a:rPr lang="en-US" smtClean="0"/>
-              <a:t>29/11/2022</a:t>
+              <a:t>01/12/2022</a:t>
             </a:fld>
             <a:endParaRPr lang="en-US"/>
           </a:p>
@@ -5463,7 +5463,7 @@
           <a:p>
             <a:fld id="{6A861F7F-8477-407D-AFF9-DBEBB6A1FAB2}" type="datetimeFigureOut">
               <a:rPr lang="en-US" smtClean="0"/>
-              <a:t>29/11/2022</a:t>
+              <a:t>01/12/2022</a:t>
             </a:fld>
             <a:endParaRPr lang="en-US"/>
           </a:p>
@@ -5677,7 +5677,7 @@
           <a:p>
             <a:fld id="{6A861F7F-8477-407D-AFF9-DBEBB6A1FAB2}" type="datetimeFigureOut">
               <a:rPr lang="en-US" smtClean="0"/>
-              <a:t>29/11/2022</a:t>
+              <a:t>01/12/2022</a:t>
             </a:fld>
             <a:endParaRPr lang="en-US"/>
           </a:p>
@@ -9337,9 +9337,9 @@
         <p:grpSpPr>
           <a:xfrm>
             <a:off x="3018863" y="5165624"/>
-            <a:ext cx="6553200" cy="1485876"/>
+            <a:ext cx="6553200" cy="931878"/>
             <a:chOff x="3018863" y="5165624"/>
-            <a:chExt cx="6553200" cy="1485876"/>
+            <a:chExt cx="6553200" cy="931878"/>
           </a:xfrm>
         </p:grpSpPr>
         <p:sp>
@@ -9372,7 +9372,7 @@
             <a:p>
               <a:r>
                 <a:rPr lang="en-US" sz="2600" b="1" u="sng" dirty="0"/>
-                <a:t>PLAYLIST TABLE</a:t>
+                <a:t>PLAYLIST COLLECTOR</a:t>
               </a:r>
             </a:p>
           </p:txBody>
@@ -9432,7 +9432,7 @@
           <p:spPr>
             <a:xfrm>
               <a:off x="3476063" y="5728170"/>
-              <a:ext cx="6096000" cy="923330"/>
+              <a:ext cx="6096000" cy="369332"/>
             </a:xfrm>
             <a:prstGeom prst="rect">
               <a:avLst/>
@@ -9447,15 +9447,7 @@
             <a:p>
               <a:r>
                 <a:rPr lang="en-US" dirty="0"/>
-                <a:t>This is the actual Playlist table that  stores the </a:t>
-              </a:r>
-              <a:r>
-                <a:rPr lang="en-US" dirty="0" err="1"/>
-                <a:t>song_id</a:t>
-              </a:r>
-              <a:r>
-                <a:rPr lang="en-US" dirty="0"/>
-                <a:t> as the foreign key it table as also primary Key with playlist name. This table is created based on the number of play list created.</a:t>
+                <a:t>The</a:t>
               </a:r>
             </a:p>
           </p:txBody>
